--- a/presentations/Final Presentation.pptx
+++ b/presentations/Final Presentation.pptx
@@ -246,7 +246,7 @@
           <a:p>
             <a:fld id="{3DB548AD-334B-4731-B639-4ED2902D672E}" type="datetimeFigureOut">
               <a:rPr lang="de-DE" smtClean="0"/>
-              <a:t>22.02.2020</a:t>
+              <a:t>23.02.2020</a:t>
             </a:fld>
             <a:endParaRPr lang="de-DE"/>
           </a:p>
@@ -3919,6 +3919,13 @@
   <p:clrMapOvr>
     <a:masterClrMapping/>
   </p:clrMapOvr>
+  <p:timing>
+    <p:tnLst>
+      <p:par>
+        <p:cTn id="1" dur="indefinite" restart="never" nodeType="tmRoot"/>
+      </p:par>
+    </p:tnLst>
+  </p:timing>
 </p:sld>
 </file>
 
@@ -4182,6 +4189,13 @@
   <p:clrMapOvr>
     <a:masterClrMapping/>
   </p:clrMapOvr>
+  <p:timing>
+    <p:tnLst>
+      <p:par>
+        <p:cTn id="1" dur="indefinite" restart="never" nodeType="tmRoot"/>
+      </p:par>
+    </p:tnLst>
+  </p:timing>
 </p:sld>
 </file>
 
@@ -4737,6 +4751,13 @@
   <p:clrMapOvr>
     <a:masterClrMapping/>
   </p:clrMapOvr>
+  <p:timing>
+    <p:tnLst>
+      <p:par>
+        <p:cTn id="1" dur="indefinite" restart="never" nodeType="tmRoot"/>
+      </p:par>
+    </p:tnLst>
+  </p:timing>
 </p:sld>
 </file>
 
@@ -4883,6 +4904,13 @@
   <p:clrMapOvr>
     <a:masterClrMapping/>
   </p:clrMapOvr>
+  <p:timing>
+    <p:tnLst>
+      <p:par>
+        <p:cTn id="1" dur="indefinite" restart="never" nodeType="tmRoot"/>
+      </p:par>
+    </p:tnLst>
+  </p:timing>
 </p:sld>
 </file>
 
@@ -4990,12 +5018,6 @@
               </a:rPr>
               <a:t>Cost-Sensitive Boosting</a:t>
             </a:r>
-            <a:endParaRPr lang="en-US" dirty="0" smtClean="0">
-              <a:solidFill>
-                <a:srgbClr val="000000"/>
-              </a:solidFill>
-              <a:cs typeface="Arial"/>
-            </a:endParaRPr>
           </a:p>
           <a:p>
             <a:pPr lvl="1">
@@ -5085,6 +5107,13 @@
   <p:clrMapOvr>
     <a:masterClrMapping/>
   </p:clrMapOvr>
+  <p:timing>
+    <p:tnLst>
+      <p:par>
+        <p:cTn id="1" dur="indefinite" restart="never" nodeType="tmRoot"/>
+      </p:par>
+    </p:tnLst>
+  </p:timing>
 </p:sld>
 </file>
 
@@ -5241,7 +5270,6 @@
               <a:rPr lang="en-US" dirty="0" smtClean="0"/>
               <a:t>data</a:t>
             </a:r>
-            <a:endParaRPr lang="en-US" dirty="0" smtClean="0"/>
           </a:p>
           <a:p>
             <a:r>
@@ -5383,6 +5411,13 @@
   <p:clrMapOvr>
     <a:masterClrMapping/>
   </p:clrMapOvr>
+  <p:timing>
+    <p:tnLst>
+      <p:par>
+        <p:cTn id="1" dur="indefinite" restart="never" nodeType="tmRoot"/>
+      </p:par>
+    </p:tnLst>
+  </p:timing>
 </p:sld>
 </file>
 
@@ -5608,7 +5643,7 @@
         <p:spPr>
           <a:xfrm>
             <a:off x="6546467" y="5601915"/>
-            <a:ext cx="6096000" cy="276999"/>
+            <a:ext cx="6096000" cy="261610"/>
           </a:xfrm>
           <a:prstGeom prst="rect">
             <a:avLst/>
@@ -5621,12 +5656,9 @@
           <a:lstStyle/>
           <a:p>
             <a:r>
-              <a:rPr lang="en-US" sz="1200" dirty="0">
-                <a:hlinkClick r:id="rId4"/>
-              </a:rPr>
+              <a:rPr lang="en-US" sz="1100" dirty="0"/>
               <a:t>https://towardsdatascience.com/understanding-adaboost-2f94f22d5bfe</a:t>
             </a:r>
-            <a:endParaRPr lang="en-US" sz="1200" dirty="0"/>
           </a:p>
         </p:txBody>
       </p:sp>
@@ -5640,6 +5672,13 @@
   <p:clrMapOvr>
     <a:masterClrMapping/>
   </p:clrMapOvr>
+  <p:timing>
+    <p:tnLst>
+      <p:par>
+        <p:cTn id="1" dur="indefinite" restart="never" nodeType="tmRoot"/>
+      </p:par>
+    </p:tnLst>
+  </p:timing>
 </p:sld>
 </file>
 
@@ -5781,7 +5820,7 @@
       </p:sp>
       <p:pic>
         <p:nvPicPr>
-          <p:cNvPr id="6" name="Picture 5"/>
+          <p:cNvPr id="5" name="Picture 4"/>
           <p:cNvPicPr>
             <a:picLocks noChangeAspect="1"/>
           </p:cNvPicPr>
@@ -5795,14 +5834,274 @@
         </p:blipFill>
         <p:spPr>
           <a:xfrm>
-            <a:off x="3699164" y="2832770"/>
-            <a:ext cx="4714875" cy="3332503"/>
+            <a:off x="3988328" y="2727726"/>
+            <a:ext cx="4581525" cy="2924928"/>
           </a:xfrm>
           <a:prstGeom prst="rect">
             <a:avLst/>
           </a:prstGeom>
         </p:spPr>
       </p:pic>
+      <p:sp>
+        <p:nvSpPr>
+          <p:cNvPr id="8" name="Rectangle 7"/>
+          <p:cNvSpPr/>
+          <p:nvPr/>
+        </p:nvSpPr>
+        <p:spPr bwMode="auto">
+          <a:xfrm>
+            <a:off x="7259782" y="3909837"/>
+            <a:ext cx="193963" cy="191108"/>
+          </a:xfrm>
+          <a:prstGeom prst="rect">
+            <a:avLst/>
+          </a:prstGeom>
+          <a:noFill/>
+          <a:ln w="9525" cap="flat" cmpd="sng" algn="ctr">
+            <a:solidFill>
+              <a:srgbClr val="FF0000"/>
+            </a:solidFill>
+            <a:prstDash val="solid"/>
+            <a:round/>
+            <a:headEnd type="none" w="med" len="med"/>
+            <a:tailEnd type="none" w="med" len="med"/>
+          </a:ln>
+          <a:effectLst/>
+          <a:extLst/>
+        </p:spPr>
+        <p:txBody>
+          <a:bodyPr vert="horz" wrap="square" lIns="91440" tIns="45720" rIns="91440" bIns="45720" numCol="1" rtlCol="0" anchor="t" anchorCtr="0" compatLnSpc="1">
+            <a:prstTxWarp prst="textNoShape">
+              <a:avLst/>
+            </a:prstTxWarp>
+          </a:bodyPr>
+          <a:lstStyle/>
+          <a:p>
+            <a:pPr marL="0" marR="0" indent="0" algn="l" defTabSz="914400" rtl="0" eaLnBrk="0" fontAlgn="base" latinLnBrk="0" hangingPunct="0">
+              <a:lnSpc>
+                <a:spcPct val="100000"/>
+              </a:lnSpc>
+              <a:spcBef>
+                <a:spcPct val="0"/>
+              </a:spcBef>
+              <a:spcAft>
+                <a:spcPct val="0"/>
+              </a:spcAft>
+              <a:buClrTx/>
+              <a:buSzTx/>
+              <a:buFontTx/>
+              <a:buNone/>
+              <a:tabLst/>
+            </a:pPr>
+            <a:endParaRPr kumimoji="0" lang="en-US" sz="2400" b="0" i="0" u="none" strike="noStrike" cap="none" normalizeH="0" baseline="0" smtClean="0">
+              <a:ln>
+                <a:noFill/>
+              </a:ln>
+              <a:solidFill>
+                <a:schemeClr val="tx1"/>
+              </a:solidFill>
+              <a:effectLst/>
+              <a:latin typeface="Arial" charset="0"/>
+              <a:ea typeface="ＭＳ Ｐゴシック" pitchFamily="1" charset="-128"/>
+            </a:endParaRPr>
+          </a:p>
+        </p:txBody>
+      </p:sp>
+      <p:sp>
+        <p:nvSpPr>
+          <p:cNvPr id="9" name="Rectangle 8"/>
+          <p:cNvSpPr/>
+          <p:nvPr/>
+        </p:nvSpPr>
+        <p:spPr bwMode="auto">
+          <a:xfrm>
+            <a:off x="6650183" y="4519436"/>
+            <a:ext cx="193962" cy="213317"/>
+          </a:xfrm>
+          <a:prstGeom prst="rect">
+            <a:avLst/>
+          </a:prstGeom>
+          <a:noFill/>
+          <a:ln w="9525" cap="flat" cmpd="sng" algn="ctr">
+            <a:solidFill>
+              <a:srgbClr val="FF0000"/>
+            </a:solidFill>
+            <a:prstDash val="solid"/>
+            <a:round/>
+            <a:headEnd type="none" w="med" len="med"/>
+            <a:tailEnd type="none" w="med" len="med"/>
+          </a:ln>
+          <a:effectLst/>
+          <a:extLst/>
+        </p:spPr>
+        <p:txBody>
+          <a:bodyPr vert="horz" wrap="square" lIns="91440" tIns="45720" rIns="91440" bIns="45720" numCol="1" rtlCol="0" anchor="t" anchorCtr="0" compatLnSpc="1">
+            <a:prstTxWarp prst="textNoShape">
+              <a:avLst/>
+            </a:prstTxWarp>
+          </a:bodyPr>
+          <a:lstStyle/>
+          <a:p>
+            <a:pPr marL="0" marR="0" indent="0" algn="l" defTabSz="914400" rtl="0" eaLnBrk="0" fontAlgn="base" latinLnBrk="0" hangingPunct="0">
+              <a:lnSpc>
+                <a:spcPct val="100000"/>
+              </a:lnSpc>
+              <a:spcBef>
+                <a:spcPct val="0"/>
+              </a:spcBef>
+              <a:spcAft>
+                <a:spcPct val="0"/>
+              </a:spcAft>
+              <a:buClrTx/>
+              <a:buSzTx/>
+              <a:buFontTx/>
+              <a:buNone/>
+              <a:tabLst/>
+            </a:pPr>
+            <a:endParaRPr kumimoji="0" lang="en-US" sz="2400" b="0" i="0" u="none" strike="noStrike" cap="none" normalizeH="0" baseline="0" smtClean="0">
+              <a:ln>
+                <a:noFill/>
+              </a:ln>
+              <a:solidFill>
+                <a:schemeClr val="tx1"/>
+              </a:solidFill>
+              <a:effectLst/>
+              <a:latin typeface="Arial" charset="0"/>
+              <a:ea typeface="ＭＳ Ｐゴシック" pitchFamily="1" charset="-128"/>
+            </a:endParaRPr>
+          </a:p>
+        </p:txBody>
+      </p:sp>
+      <p:sp>
+        <p:nvSpPr>
+          <p:cNvPr id="12" name="Rectangle 11"/>
+          <p:cNvSpPr/>
+          <p:nvPr/>
+        </p:nvSpPr>
+        <p:spPr bwMode="auto">
+          <a:xfrm>
+            <a:off x="6650182" y="5154506"/>
+            <a:ext cx="193963" cy="191108"/>
+          </a:xfrm>
+          <a:prstGeom prst="rect">
+            <a:avLst/>
+          </a:prstGeom>
+          <a:noFill/>
+          <a:ln w="9525" cap="flat" cmpd="sng" algn="ctr">
+            <a:solidFill>
+              <a:srgbClr val="FF0000"/>
+            </a:solidFill>
+            <a:prstDash val="solid"/>
+            <a:round/>
+            <a:headEnd type="none" w="med" len="med"/>
+            <a:tailEnd type="none" w="med" len="med"/>
+          </a:ln>
+          <a:effectLst/>
+          <a:extLst/>
+        </p:spPr>
+        <p:txBody>
+          <a:bodyPr vert="horz" wrap="square" lIns="91440" tIns="45720" rIns="91440" bIns="45720" numCol="1" rtlCol="0" anchor="t" anchorCtr="0" compatLnSpc="1">
+            <a:prstTxWarp prst="textNoShape">
+              <a:avLst/>
+            </a:prstTxWarp>
+          </a:bodyPr>
+          <a:lstStyle/>
+          <a:p>
+            <a:pPr marL="0" marR="0" indent="0" algn="l" defTabSz="914400" rtl="0" eaLnBrk="0" fontAlgn="base" latinLnBrk="0" hangingPunct="0">
+              <a:lnSpc>
+                <a:spcPct val="100000"/>
+              </a:lnSpc>
+              <a:spcBef>
+                <a:spcPct val="0"/>
+              </a:spcBef>
+              <a:spcAft>
+                <a:spcPct val="0"/>
+              </a:spcAft>
+              <a:buClrTx/>
+              <a:buSzTx/>
+              <a:buFontTx/>
+              <a:buNone/>
+              <a:tabLst/>
+            </a:pPr>
+            <a:endParaRPr kumimoji="0" lang="en-US" sz="2400" b="0" i="0" u="none" strike="noStrike" cap="none" normalizeH="0" baseline="0" smtClean="0">
+              <a:ln>
+                <a:noFill/>
+              </a:ln>
+              <a:solidFill>
+                <a:schemeClr val="tx1"/>
+              </a:solidFill>
+              <a:effectLst/>
+              <a:latin typeface="Arial" charset="0"/>
+              <a:ea typeface="ＭＳ Ｐゴシック" pitchFamily="1" charset="-128"/>
+            </a:endParaRPr>
+          </a:p>
+        </p:txBody>
+      </p:sp>
+      <p:sp>
+        <p:nvSpPr>
+          <p:cNvPr id="13" name="Rectangle 12"/>
+          <p:cNvSpPr/>
+          <p:nvPr/>
+        </p:nvSpPr>
+        <p:spPr bwMode="auto">
+          <a:xfrm>
+            <a:off x="7416054" y="5154506"/>
+            <a:ext cx="193963" cy="191108"/>
+          </a:xfrm>
+          <a:prstGeom prst="rect">
+            <a:avLst/>
+          </a:prstGeom>
+          <a:noFill/>
+          <a:ln w="9525" cap="flat" cmpd="sng" algn="ctr">
+            <a:solidFill>
+              <a:srgbClr val="FF0000"/>
+            </a:solidFill>
+            <a:prstDash val="solid"/>
+            <a:round/>
+            <a:headEnd type="none" w="med" len="med"/>
+            <a:tailEnd type="none" w="med" len="med"/>
+          </a:ln>
+          <a:effectLst/>
+          <a:extLst/>
+        </p:spPr>
+        <p:txBody>
+          <a:bodyPr vert="horz" wrap="square" lIns="91440" tIns="45720" rIns="91440" bIns="45720" numCol="1" rtlCol="0" anchor="t" anchorCtr="0" compatLnSpc="1">
+            <a:prstTxWarp prst="textNoShape">
+              <a:avLst/>
+            </a:prstTxWarp>
+          </a:bodyPr>
+          <a:lstStyle/>
+          <a:p>
+            <a:pPr marL="0" marR="0" indent="0" algn="l" defTabSz="914400" rtl="0" eaLnBrk="0" fontAlgn="base" latinLnBrk="0" hangingPunct="0">
+              <a:lnSpc>
+                <a:spcPct val="100000"/>
+              </a:lnSpc>
+              <a:spcBef>
+                <a:spcPct val="0"/>
+              </a:spcBef>
+              <a:spcAft>
+                <a:spcPct val="0"/>
+              </a:spcAft>
+              <a:buClrTx/>
+              <a:buSzTx/>
+              <a:buFontTx/>
+              <a:buNone/>
+              <a:tabLst/>
+            </a:pPr>
+            <a:endParaRPr kumimoji="0" lang="en-US" sz="2400" b="0" i="0" u="none" strike="noStrike" cap="none" normalizeH="0" baseline="0" smtClean="0">
+              <a:ln>
+                <a:noFill/>
+              </a:ln>
+              <a:solidFill>
+                <a:schemeClr val="tx1"/>
+              </a:solidFill>
+              <a:effectLst/>
+              <a:latin typeface="Arial" charset="0"/>
+              <a:ea typeface="ＭＳ Ｐゴシック" pitchFamily="1" charset="-128"/>
+            </a:endParaRPr>
+          </a:p>
+        </p:txBody>
+      </p:sp>
     </p:spTree>
     <p:extLst>
       <p:ext uri="{BB962C8B-B14F-4D97-AF65-F5344CB8AC3E}">
@@ -5813,6 +6112,13 @@
   <p:clrMapOvr>
     <a:masterClrMapping/>
   </p:clrMapOvr>
+  <p:timing>
+    <p:tnLst>
+      <p:par>
+        <p:cTn id="1" dur="indefinite" restart="never" nodeType="tmRoot"/>
+      </p:par>
+    </p:tnLst>
+  </p:timing>
 </p:sld>
 </file>
 
@@ -6509,6 +6815,13 @@
   <p:clrMapOvr>
     <a:masterClrMapping/>
   </p:clrMapOvr>
+  <p:timing>
+    <p:tnLst>
+      <p:par>
+        <p:cTn id="1" dur="indefinite" restart="never" nodeType="tmRoot"/>
+      </p:par>
+    </p:tnLst>
+  </p:timing>
 </p:sld>
 </file>
 
@@ -6596,13 +6909,7 @@
               <a:rPr lang="en-US" dirty="0" smtClean="0">
                 <a:cs typeface="Arial"/>
               </a:rPr>
-              <a:t>Dealing with missing </a:t>
-            </a:r>
-            <a:r>
-              <a:rPr lang="en-US" dirty="0" smtClean="0">
-                <a:cs typeface="Arial"/>
-              </a:rPr>
-              <a:t>values</a:t>
+              <a:t>Dealing with missing values</a:t>
             </a:r>
           </a:p>
           <a:p>
@@ -6751,8 +7058,8 @@
         </p:nvSpPr>
         <p:spPr>
           <a:xfrm>
-            <a:off x="4548671" y="5371817"/>
-            <a:ext cx="5250874" cy="261610"/>
+            <a:off x="4994205" y="5368211"/>
+            <a:ext cx="4359803" cy="233627"/>
           </a:xfrm>
           <a:prstGeom prst="rect">
             <a:avLst/>
@@ -6766,9 +7073,14 @@
           <a:lstStyle/>
           <a:p>
             <a:r>
-              <a:rPr lang="en-US" sz="1100" dirty="0"/>
-              <a:t>https://cran.r-project.org/web/packages/tfdatasets/vignettes/feature_columns.html</a:t>
-            </a:r>
+              <a:rPr lang="en-US" sz="900" dirty="0"/>
+              <a:t>https://</a:t>
+            </a:r>
+            <a:r>
+              <a:rPr lang="en-US" sz="900" dirty="0" smtClean="0"/>
+              <a:t>cran.r-project.org/web/packages/tfdatasets/vignettes/feature_columns.html</a:t>
+            </a:r>
+            <a:endParaRPr lang="en-US" sz="900" dirty="0"/>
           </a:p>
         </p:txBody>
       </p:sp>
@@ -6802,65 +7114,162 @@
           </a:prstGeom>
         </p:spPr>
       </p:pic>
-      <p:sp>
-        <p:nvSpPr>
-          <p:cNvPr id="10" name="TextBox 9"/>
-          <p:cNvSpPr txBox="1"/>
-          <p:nvPr/>
-        </p:nvSpPr>
-        <p:spPr>
-          <a:xfrm>
-            <a:off x="5892995" y="2958165"/>
-            <a:ext cx="6068290" cy="430887"/>
-          </a:xfrm>
-          <a:prstGeom prst="rect">
-            <a:avLst/>
-          </a:prstGeom>
-          <a:noFill/>
-        </p:spPr>
-        <p:txBody>
-          <a:bodyPr wrap="square" rtlCol="0">
-            <a:spAutoFit/>
-          </a:bodyPr>
-          <a:lstStyle/>
-          <a:p>
-            <a:r>
-              <a:rPr lang="en-US" sz="1100" dirty="0"/>
-              <a:t>https://towardsdatascience.com/6-different-ways-to-compensate-for-missing-values-data-imputation-with-examples-6022d9ca0779</a:t>
-            </a:r>
-          </a:p>
-        </p:txBody>
-      </p:sp>
       <p:pic>
         <p:nvPicPr>
-          <p:cNvPr id="11" name="Picture 10"/>
+          <p:cNvPr id="5" name="Picture 4"/>
           <p:cNvPicPr>
             <a:picLocks noChangeAspect="1"/>
           </p:cNvPicPr>
           <p:nvPr/>
         </p:nvPicPr>
         <p:blipFill>
-          <a:blip r:embed="rId3">
-            <a:extLst>
-              <a:ext uri="{28A0092B-C50C-407E-A947-70E740481C1C}">
-                <a14:useLocalDpi xmlns:a14="http://schemas.microsoft.com/office/drawing/2010/main" val="0"/>
-              </a:ext>
-            </a:extLst>
-          </a:blip>
+          <a:blip r:embed="rId3"/>
           <a:stretch>
             <a:fillRect/>
           </a:stretch>
         </p:blipFill>
         <p:spPr>
           <a:xfrm>
-            <a:off x="5763491" y="1181234"/>
-            <a:ext cx="6123709" cy="1706896"/>
+            <a:off x="5767387" y="1343694"/>
+            <a:ext cx="2181225" cy="1362075"/>
           </a:xfrm>
           <a:prstGeom prst="rect">
             <a:avLst/>
           </a:prstGeom>
         </p:spPr>
       </p:pic>
+      <p:pic>
+        <p:nvPicPr>
+          <p:cNvPr id="6" name="Picture 5"/>
+          <p:cNvPicPr>
+            <a:picLocks noChangeAspect="1"/>
+          </p:cNvPicPr>
+          <p:nvPr/>
+        </p:nvPicPr>
+        <p:blipFill>
+          <a:blip r:embed="rId4"/>
+          <a:stretch>
+            <a:fillRect/>
+          </a:stretch>
+        </p:blipFill>
+        <p:spPr>
+          <a:xfrm>
+            <a:off x="9260082" y="1343694"/>
+            <a:ext cx="2257425" cy="1419225"/>
+          </a:xfrm>
+          <a:prstGeom prst="rect">
+            <a:avLst/>
+          </a:prstGeom>
+        </p:spPr>
+      </p:pic>
+      <p:sp>
+        <p:nvSpPr>
+          <p:cNvPr id="14" name="Right Arrow 13"/>
+          <p:cNvSpPr/>
+          <p:nvPr/>
+        </p:nvSpPr>
+        <p:spPr bwMode="auto">
+          <a:xfrm>
+            <a:off x="8140557" y="2061943"/>
+            <a:ext cx="927580" cy="217038"/>
+          </a:xfrm>
+          <a:prstGeom prst="rightArrow">
+            <a:avLst/>
+          </a:prstGeom>
+          <a:solidFill>
+            <a:schemeClr val="accent2">
+              <a:lumMod val="40000"/>
+              <a:lumOff val="60000"/>
+            </a:schemeClr>
+          </a:solidFill>
+          <a:ln w="9525" cap="flat" cmpd="sng" algn="ctr">
+            <a:solidFill>
+              <a:schemeClr val="bg1"/>
+            </a:solidFill>
+            <a:prstDash val="solid"/>
+            <a:round/>
+            <a:headEnd type="none" w="med" len="med"/>
+            <a:tailEnd type="none" w="med" len="med"/>
+          </a:ln>
+          <a:effectLst/>
+          <a:extLst/>
+        </p:spPr>
+        <p:txBody>
+          <a:bodyPr vert="horz" wrap="square" lIns="91440" tIns="45720" rIns="91440" bIns="45720" numCol="1" rtlCol="0" anchor="t" anchorCtr="0" compatLnSpc="1">
+            <a:prstTxWarp prst="textNoShape">
+              <a:avLst/>
+            </a:prstTxWarp>
+          </a:bodyPr>
+          <a:lstStyle/>
+          <a:p>
+            <a:pPr marL="0" marR="0" indent="0" algn="l" defTabSz="914400" rtl="0" eaLnBrk="0" fontAlgn="base" latinLnBrk="0" hangingPunct="0">
+              <a:lnSpc>
+                <a:spcPct val="100000"/>
+              </a:lnSpc>
+              <a:spcBef>
+                <a:spcPct val="0"/>
+              </a:spcBef>
+              <a:spcAft>
+                <a:spcPct val="0"/>
+              </a:spcAft>
+              <a:buClrTx/>
+              <a:buSzTx/>
+              <a:buFontTx/>
+              <a:buNone/>
+              <a:tabLst/>
+            </a:pPr>
+            <a:endParaRPr kumimoji="0" lang="en-US" sz="2400" b="0" i="0" u="none" strike="noStrike" cap="none" normalizeH="0" baseline="0" smtClean="0">
+              <a:ln>
+                <a:noFill/>
+              </a:ln>
+              <a:solidFill>
+                <a:schemeClr val="accent2"/>
+              </a:solidFill>
+              <a:effectLst/>
+              <a:latin typeface="Arial" charset="0"/>
+              <a:ea typeface="ＭＳ Ｐゴシック" pitchFamily="1" charset="-128"/>
+            </a:endParaRPr>
+          </a:p>
+        </p:txBody>
+      </p:sp>
+      <p:sp>
+        <p:nvSpPr>
+          <p:cNvPr id="15" name="TextBox 14"/>
+          <p:cNvSpPr txBox="1"/>
+          <p:nvPr/>
+        </p:nvSpPr>
+        <p:spPr>
+          <a:xfrm>
+            <a:off x="8271164" y="1773382"/>
+            <a:ext cx="796973" cy="276999"/>
+          </a:xfrm>
+          <a:prstGeom prst="rect">
+            <a:avLst/>
+          </a:prstGeom>
+          <a:noFill/>
+        </p:spPr>
+        <p:txBody>
+          <a:bodyPr wrap="square" rtlCol="0">
+            <a:spAutoFit/>
+          </a:bodyPr>
+          <a:lstStyle/>
+          <a:p>
+            <a:r>
+              <a:rPr lang="de-DE" sz="1200" b="1" dirty="0" err="1" smtClean="0">
+                <a:solidFill>
+                  <a:schemeClr val="accent6"/>
+                </a:solidFill>
+              </a:rPr>
+              <a:t>Impute</a:t>
+            </a:r>
+            <a:endParaRPr lang="en-US" sz="1200" b="1" dirty="0">
+              <a:solidFill>
+                <a:schemeClr val="accent6"/>
+              </a:solidFill>
+            </a:endParaRPr>
+          </a:p>
+        </p:txBody>
+      </p:sp>
     </p:spTree>
     <p:extLst>
       <p:ext uri="{BB962C8B-B14F-4D97-AF65-F5344CB8AC3E}">
@@ -6871,6 +7280,13 @@
   <p:clrMapOvr>
     <a:masterClrMapping/>
   </p:clrMapOvr>
+  <p:timing>
+    <p:tnLst>
+      <p:par>
+        <p:cTn id="1" dur="indefinite" restart="never" nodeType="tmRoot"/>
+      </p:par>
+    </p:tnLst>
+  </p:timing>
 </p:sld>
 </file>
 
@@ -6937,7 +7353,12 @@
             <p:ph idx="1"/>
           </p:nvPr>
         </p:nvSpPr>
-        <p:spPr/>
+        <p:spPr>
+          <a:xfrm>
+            <a:off x="723136" y="1861532"/>
+            <a:ext cx="11216217" cy="4659312"/>
+          </a:xfrm>
+        </p:spPr>
         <p:txBody>
           <a:bodyPr/>
           <a:lstStyle/>
@@ -7038,6 +7459,716 @@
           </a:p>
         </p:txBody>
       </p:sp>
+      <p:pic>
+        <p:nvPicPr>
+          <p:cNvPr id="5" name="Picture 4"/>
+          <p:cNvPicPr>
+            <a:picLocks noChangeAspect="1"/>
+          </p:cNvPicPr>
+          <p:nvPr/>
+        </p:nvPicPr>
+        <p:blipFill>
+          <a:blip r:embed="rId2"/>
+          <a:stretch>
+            <a:fillRect/>
+          </a:stretch>
+        </p:blipFill>
+        <p:spPr>
+          <a:xfrm>
+            <a:off x="6504284" y="2835563"/>
+            <a:ext cx="1775115" cy="1376466"/>
+          </a:xfrm>
+          <a:prstGeom prst="rect">
+            <a:avLst/>
+          </a:prstGeom>
+        </p:spPr>
+      </p:pic>
+      <p:pic>
+        <p:nvPicPr>
+          <p:cNvPr id="6" name="Picture 5"/>
+          <p:cNvPicPr>
+            <a:picLocks noChangeAspect="1"/>
+          </p:cNvPicPr>
+          <p:nvPr/>
+        </p:nvPicPr>
+        <p:blipFill>
+          <a:blip r:embed="rId3"/>
+          <a:stretch>
+            <a:fillRect/>
+          </a:stretch>
+        </p:blipFill>
+        <p:spPr>
+          <a:xfrm>
+            <a:off x="8671493" y="2433833"/>
+            <a:ext cx="1411806" cy="816695"/>
+          </a:xfrm>
+          <a:prstGeom prst="rect">
+            <a:avLst/>
+          </a:prstGeom>
+        </p:spPr>
+      </p:pic>
+      <p:pic>
+        <p:nvPicPr>
+          <p:cNvPr id="7" name="Picture 6"/>
+          <p:cNvPicPr>
+            <a:picLocks noChangeAspect="1"/>
+          </p:cNvPicPr>
+          <p:nvPr/>
+        </p:nvPicPr>
+        <p:blipFill>
+          <a:blip r:embed="rId4"/>
+          <a:stretch>
+            <a:fillRect/>
+          </a:stretch>
+        </p:blipFill>
+        <p:spPr>
+          <a:xfrm>
+            <a:off x="8733406" y="4067062"/>
+            <a:ext cx="1411806" cy="503506"/>
+          </a:xfrm>
+          <a:prstGeom prst="rect">
+            <a:avLst/>
+          </a:prstGeom>
+        </p:spPr>
+      </p:pic>
+      <p:cxnSp>
+        <p:nvCxnSpPr>
+          <p:cNvPr id="24" name="Straight Arrow Connector 23"/>
+          <p:cNvCxnSpPr/>
+          <p:nvPr/>
+        </p:nvCxnSpPr>
+        <p:spPr bwMode="auto">
+          <a:xfrm flipV="1">
+            <a:off x="8206394" y="3165348"/>
+            <a:ext cx="309846" cy="230605"/>
+          </a:xfrm>
+          <a:prstGeom prst="straightConnector1">
+            <a:avLst/>
+          </a:prstGeom>
+          <a:solidFill>
+            <a:schemeClr val="accent1"/>
+          </a:solidFill>
+          <a:ln w="9525" cap="flat" cmpd="sng" algn="ctr">
+            <a:solidFill>
+              <a:schemeClr val="tx1"/>
+            </a:solidFill>
+            <a:prstDash val="solid"/>
+            <a:round/>
+            <a:headEnd type="none" w="med" len="med"/>
+            <a:tailEnd type="triangle"/>
+          </a:ln>
+          <a:effectLst/>
+          <a:extLst>
+            <a:ext uri="{AF507438-7753-43E0-B8FC-AC1667EBCBE1}">
+              <a14:hiddenEffects xmlns:a14="http://schemas.microsoft.com/office/drawing/2010/main">
+                <a:effectLst>
+                  <a:outerShdw dist="35921" dir="2700000" algn="ctr" rotWithShape="0">
+                    <a:schemeClr val="bg2"/>
+                  </a:outerShdw>
+                </a:effectLst>
+              </a14:hiddenEffects>
+            </a:ext>
+          </a:extLst>
+        </p:spPr>
+      </p:cxnSp>
+      <p:cxnSp>
+        <p:nvCxnSpPr>
+          <p:cNvPr id="25" name="Straight Arrow Connector 24"/>
+          <p:cNvCxnSpPr/>
+          <p:nvPr/>
+        </p:nvCxnSpPr>
+        <p:spPr bwMode="auto">
+          <a:xfrm>
+            <a:off x="8206394" y="3988017"/>
+            <a:ext cx="434255" cy="79046"/>
+          </a:xfrm>
+          <a:prstGeom prst="straightConnector1">
+            <a:avLst/>
+          </a:prstGeom>
+          <a:solidFill>
+            <a:schemeClr val="accent1"/>
+          </a:solidFill>
+          <a:ln w="9525" cap="flat" cmpd="sng" algn="ctr">
+            <a:solidFill>
+              <a:schemeClr val="tx1"/>
+            </a:solidFill>
+            <a:prstDash val="solid"/>
+            <a:round/>
+            <a:headEnd type="none" w="med" len="med"/>
+            <a:tailEnd type="triangle"/>
+          </a:ln>
+          <a:effectLst/>
+          <a:extLst>
+            <a:ext uri="{AF507438-7753-43E0-B8FC-AC1667EBCBE1}">
+              <a14:hiddenEffects xmlns:a14="http://schemas.microsoft.com/office/drawing/2010/main">
+                <a:effectLst>
+                  <a:outerShdw dist="35921" dir="2700000" algn="ctr" rotWithShape="0">
+                    <a:schemeClr val="bg2"/>
+                  </a:outerShdw>
+                </a:effectLst>
+              </a14:hiddenEffects>
+            </a:ext>
+          </a:extLst>
+        </p:spPr>
+      </p:cxnSp>
+      <p:sp>
+        <p:nvSpPr>
+          <p:cNvPr id="26" name="Flowchart: Magnetic Disk 25"/>
+          <p:cNvSpPr/>
+          <p:nvPr/>
+        </p:nvSpPr>
+        <p:spPr bwMode="auto">
+          <a:xfrm>
+            <a:off x="4065462" y="3239686"/>
+            <a:ext cx="645083" cy="787616"/>
+          </a:xfrm>
+          <a:prstGeom prst="flowChartMagneticDisk">
+            <a:avLst/>
+          </a:prstGeom>
+          <a:solidFill>
+            <a:schemeClr val="bg1"/>
+          </a:solidFill>
+          <a:ln w="9525" cap="flat" cmpd="sng" algn="ctr">
+            <a:solidFill>
+              <a:schemeClr val="tx1"/>
+            </a:solidFill>
+            <a:prstDash val="solid"/>
+            <a:round/>
+            <a:headEnd type="none" w="med" len="med"/>
+            <a:tailEnd type="none" w="med" len="med"/>
+          </a:ln>
+          <a:effectLst/>
+          <a:extLst/>
+        </p:spPr>
+        <p:txBody>
+          <a:bodyPr vert="horz" wrap="square" lIns="91440" tIns="45720" rIns="91440" bIns="45720" numCol="1" rtlCol="0" anchor="t" anchorCtr="0" compatLnSpc="1">
+            <a:prstTxWarp prst="textNoShape">
+              <a:avLst/>
+            </a:prstTxWarp>
+          </a:bodyPr>
+          <a:lstStyle/>
+          <a:p>
+            <a:pPr marL="0" marR="0" indent="0" algn="l" defTabSz="914400" rtl="0" eaLnBrk="0" fontAlgn="base" latinLnBrk="0" hangingPunct="0">
+              <a:lnSpc>
+                <a:spcPct val="100000"/>
+              </a:lnSpc>
+              <a:spcBef>
+                <a:spcPct val="0"/>
+              </a:spcBef>
+              <a:spcAft>
+                <a:spcPct val="0"/>
+              </a:spcAft>
+              <a:buClrTx/>
+              <a:buSzTx/>
+              <a:buFontTx/>
+              <a:buNone/>
+              <a:tabLst/>
+            </a:pPr>
+            <a:endParaRPr kumimoji="0" lang="en-US" sz="1600" b="0" i="0" u="none" strike="noStrike" cap="none" normalizeH="0" baseline="0" dirty="0" smtClean="0">
+              <a:ln>
+                <a:noFill/>
+              </a:ln>
+              <a:solidFill>
+                <a:schemeClr val="tx1"/>
+              </a:solidFill>
+              <a:effectLst/>
+              <a:latin typeface="Arial" charset="0"/>
+              <a:ea typeface="ＭＳ Ｐゴシック" pitchFamily="1" charset="-128"/>
+            </a:endParaRPr>
+          </a:p>
+        </p:txBody>
+      </p:sp>
+      <p:sp>
+        <p:nvSpPr>
+          <p:cNvPr id="27" name="Flowchart: Decision 26"/>
+          <p:cNvSpPr/>
+          <p:nvPr/>
+        </p:nvSpPr>
+        <p:spPr bwMode="auto">
+          <a:xfrm>
+            <a:off x="5257961" y="3258642"/>
+            <a:ext cx="758709" cy="689220"/>
+          </a:xfrm>
+          <a:prstGeom prst="flowChartDecision">
+            <a:avLst/>
+          </a:prstGeom>
+          <a:solidFill>
+            <a:schemeClr val="bg1"/>
+          </a:solidFill>
+          <a:ln w="9525" cap="flat" cmpd="sng" algn="ctr">
+            <a:solidFill>
+              <a:schemeClr val="tx1"/>
+            </a:solidFill>
+            <a:prstDash val="solid"/>
+            <a:round/>
+            <a:headEnd type="none" w="med" len="med"/>
+            <a:tailEnd type="none" w="med" len="med"/>
+          </a:ln>
+          <a:effectLst/>
+          <a:extLst/>
+        </p:spPr>
+        <p:txBody>
+          <a:bodyPr vert="horz" wrap="square" lIns="91440" tIns="45720" rIns="91440" bIns="45720" numCol="1" rtlCol="0" anchor="t" anchorCtr="0" compatLnSpc="1">
+            <a:prstTxWarp prst="textNoShape">
+              <a:avLst/>
+            </a:prstTxWarp>
+          </a:bodyPr>
+          <a:lstStyle/>
+          <a:p>
+            <a:pPr marL="0" marR="0" indent="0" algn="l" defTabSz="914400" rtl="0" eaLnBrk="0" fontAlgn="base" latinLnBrk="0" hangingPunct="0">
+              <a:lnSpc>
+                <a:spcPct val="100000"/>
+              </a:lnSpc>
+              <a:spcBef>
+                <a:spcPct val="0"/>
+              </a:spcBef>
+              <a:spcAft>
+                <a:spcPct val="0"/>
+              </a:spcAft>
+              <a:buClrTx/>
+              <a:buSzTx/>
+              <a:buFontTx/>
+              <a:buNone/>
+              <a:tabLst/>
+            </a:pPr>
+            <a:endParaRPr kumimoji="0" lang="en-US" sz="2400" b="0" i="0" u="none" strike="noStrike" cap="none" normalizeH="0" baseline="0" dirty="0" smtClean="0">
+              <a:ln>
+                <a:noFill/>
+              </a:ln>
+              <a:solidFill>
+                <a:schemeClr val="tx1"/>
+              </a:solidFill>
+              <a:effectLst/>
+              <a:latin typeface="Arial" charset="0"/>
+              <a:ea typeface="ＭＳ Ｐゴシック" pitchFamily="1" charset="-128"/>
+            </a:endParaRPr>
+          </a:p>
+        </p:txBody>
+      </p:sp>
+      <p:sp>
+        <p:nvSpPr>
+          <p:cNvPr id="28" name="Rounded Rectangle 27"/>
+          <p:cNvSpPr/>
+          <p:nvPr/>
+        </p:nvSpPr>
+        <p:spPr bwMode="auto">
+          <a:xfrm>
+            <a:off x="10640291" y="2313709"/>
+            <a:ext cx="858983" cy="374073"/>
+          </a:xfrm>
+          <a:prstGeom prst="roundRect">
+            <a:avLst/>
+          </a:prstGeom>
+          <a:solidFill>
+            <a:schemeClr val="bg1"/>
+          </a:solidFill>
+          <a:ln w="9525" cap="flat" cmpd="sng" algn="ctr">
+            <a:solidFill>
+              <a:schemeClr val="tx1"/>
+            </a:solidFill>
+            <a:prstDash val="solid"/>
+            <a:round/>
+            <a:headEnd type="none" w="med" len="med"/>
+            <a:tailEnd type="none" w="med" len="med"/>
+          </a:ln>
+          <a:effectLst/>
+          <a:extLst/>
+        </p:spPr>
+        <p:txBody>
+          <a:bodyPr vert="horz" wrap="square" lIns="91440" tIns="45720" rIns="91440" bIns="45720" numCol="1" rtlCol="0" anchor="t" anchorCtr="0" compatLnSpc="1">
+            <a:prstTxWarp prst="textNoShape">
+              <a:avLst/>
+            </a:prstTxWarp>
+          </a:bodyPr>
+          <a:lstStyle/>
+          <a:p>
+            <a:pPr marL="0" marR="0" indent="0" algn="l" defTabSz="914400" rtl="0" eaLnBrk="0" fontAlgn="base" latinLnBrk="0" hangingPunct="0">
+              <a:lnSpc>
+                <a:spcPct val="100000"/>
+              </a:lnSpc>
+              <a:spcBef>
+                <a:spcPct val="0"/>
+              </a:spcBef>
+              <a:spcAft>
+                <a:spcPct val="0"/>
+              </a:spcAft>
+              <a:buClrTx/>
+              <a:buSzTx/>
+              <a:buFontTx/>
+              <a:buNone/>
+              <a:tabLst/>
+            </a:pPr>
+            <a:r>
+              <a:rPr kumimoji="0" lang="en-US" b="0" i="0" u="none" strike="noStrike" cap="none" normalizeH="0" baseline="0" dirty="0" smtClean="0">
+                <a:ln>
+                  <a:noFill/>
+                </a:ln>
+                <a:solidFill>
+                  <a:schemeClr val="tx1"/>
+                </a:solidFill>
+                <a:effectLst/>
+                <a:latin typeface="Arial" charset="0"/>
+                <a:ea typeface="ＭＳ Ｐゴシック" pitchFamily="1" charset="-128"/>
+              </a:rPr>
+              <a:t>Model</a:t>
+            </a:r>
+            <a:endParaRPr kumimoji="0" lang="en-US" b="0" i="0" u="none" strike="noStrike" cap="none" normalizeH="0" baseline="0" dirty="0" smtClean="0">
+              <a:ln>
+                <a:noFill/>
+              </a:ln>
+              <a:solidFill>
+                <a:schemeClr val="tx1"/>
+              </a:solidFill>
+              <a:effectLst/>
+              <a:latin typeface="Arial" charset="0"/>
+              <a:ea typeface="ＭＳ Ｐゴシック" pitchFamily="1" charset="-128"/>
+            </a:endParaRPr>
+          </a:p>
+        </p:txBody>
+      </p:sp>
+      <p:sp>
+        <p:nvSpPr>
+          <p:cNvPr id="31" name="Rounded Rectangle 30"/>
+          <p:cNvSpPr/>
+          <p:nvPr/>
+        </p:nvSpPr>
+        <p:spPr bwMode="auto">
+          <a:xfrm>
+            <a:off x="10805139" y="4191188"/>
+            <a:ext cx="1122218" cy="374073"/>
+          </a:xfrm>
+          <a:prstGeom prst="roundRect">
+            <a:avLst/>
+          </a:prstGeom>
+          <a:solidFill>
+            <a:schemeClr val="bg1"/>
+          </a:solidFill>
+          <a:ln w="9525" cap="flat" cmpd="sng" algn="ctr">
+            <a:solidFill>
+              <a:schemeClr val="tx1"/>
+            </a:solidFill>
+            <a:prstDash val="solid"/>
+            <a:round/>
+            <a:headEnd type="none" w="med" len="med"/>
+            <a:tailEnd type="none" w="med" len="med"/>
+          </a:ln>
+          <a:effectLst/>
+          <a:extLst/>
+        </p:spPr>
+        <p:txBody>
+          <a:bodyPr vert="horz" wrap="square" lIns="91440" tIns="45720" rIns="91440" bIns="45720" numCol="1" rtlCol="0" anchor="t" anchorCtr="0" compatLnSpc="1">
+            <a:prstTxWarp prst="textNoShape">
+              <a:avLst/>
+            </a:prstTxWarp>
+          </a:bodyPr>
+          <a:lstStyle/>
+          <a:p>
+            <a:pPr marL="0" marR="0" indent="0" algn="l" defTabSz="914400" rtl="0" eaLnBrk="0" fontAlgn="base" latinLnBrk="0" hangingPunct="0">
+              <a:lnSpc>
+                <a:spcPct val="100000"/>
+              </a:lnSpc>
+              <a:spcBef>
+                <a:spcPct val="0"/>
+              </a:spcBef>
+              <a:spcAft>
+                <a:spcPct val="0"/>
+              </a:spcAft>
+              <a:buClrTx/>
+              <a:buSzTx/>
+              <a:buFontTx/>
+              <a:buNone/>
+              <a:tabLst/>
+            </a:pPr>
+            <a:r>
+              <a:rPr kumimoji="0" lang="en-US" b="0" i="0" u="none" strike="noStrike" cap="none" normalizeH="0" baseline="0" dirty="0" smtClean="0">
+                <a:ln>
+                  <a:noFill/>
+                </a:ln>
+                <a:solidFill>
+                  <a:schemeClr val="tx1"/>
+                </a:solidFill>
+                <a:effectLst/>
+                <a:latin typeface="Arial" charset="0"/>
+                <a:ea typeface="ＭＳ Ｐゴシック" pitchFamily="1" charset="-128"/>
+              </a:rPr>
+              <a:t>Evaluate</a:t>
+            </a:r>
+            <a:endParaRPr kumimoji="0" lang="en-US" b="0" i="0" u="none" strike="noStrike" cap="none" normalizeH="0" baseline="0" dirty="0" smtClean="0">
+              <a:ln>
+                <a:noFill/>
+              </a:ln>
+              <a:solidFill>
+                <a:schemeClr val="tx1"/>
+              </a:solidFill>
+              <a:effectLst/>
+              <a:latin typeface="Arial" charset="0"/>
+              <a:ea typeface="ＭＳ Ｐゴシック" pitchFamily="1" charset="-128"/>
+            </a:endParaRPr>
+          </a:p>
+        </p:txBody>
+      </p:sp>
+      <p:cxnSp>
+        <p:nvCxnSpPr>
+          <p:cNvPr id="36" name="Straight Arrow Connector 35"/>
+          <p:cNvCxnSpPr/>
+          <p:nvPr/>
+        </p:nvCxnSpPr>
+        <p:spPr bwMode="auto">
+          <a:xfrm>
+            <a:off x="6158207" y="3604322"/>
+            <a:ext cx="346077" cy="0"/>
+          </a:xfrm>
+          <a:prstGeom prst="straightConnector1">
+            <a:avLst/>
+          </a:prstGeom>
+          <a:solidFill>
+            <a:schemeClr val="accent1"/>
+          </a:solidFill>
+          <a:ln w="9525" cap="flat" cmpd="sng" algn="ctr">
+            <a:solidFill>
+              <a:schemeClr val="tx1"/>
+            </a:solidFill>
+            <a:prstDash val="solid"/>
+            <a:round/>
+            <a:headEnd type="none" w="med" len="med"/>
+            <a:tailEnd type="triangle"/>
+          </a:ln>
+          <a:effectLst/>
+          <a:extLst>
+            <a:ext uri="{AF507438-7753-43E0-B8FC-AC1667EBCBE1}">
+              <a14:hiddenEffects xmlns:a14="http://schemas.microsoft.com/office/drawing/2010/main">
+                <a:effectLst>
+                  <a:outerShdw dist="35921" dir="2700000" algn="ctr" rotWithShape="0">
+                    <a:schemeClr val="bg2"/>
+                  </a:outerShdw>
+                </a:effectLst>
+              </a14:hiddenEffects>
+            </a:ext>
+          </a:extLst>
+        </p:spPr>
+      </p:cxnSp>
+      <p:cxnSp>
+        <p:nvCxnSpPr>
+          <p:cNvPr id="39" name="Straight Arrow Connector 38"/>
+          <p:cNvCxnSpPr/>
+          <p:nvPr/>
+        </p:nvCxnSpPr>
+        <p:spPr bwMode="auto">
+          <a:xfrm>
+            <a:off x="4813300" y="3603252"/>
+            <a:ext cx="346077" cy="0"/>
+          </a:xfrm>
+          <a:prstGeom prst="straightConnector1">
+            <a:avLst/>
+          </a:prstGeom>
+          <a:solidFill>
+            <a:schemeClr val="accent1"/>
+          </a:solidFill>
+          <a:ln w="9525" cap="flat" cmpd="sng" algn="ctr">
+            <a:solidFill>
+              <a:schemeClr val="tx1"/>
+            </a:solidFill>
+            <a:prstDash val="solid"/>
+            <a:round/>
+            <a:headEnd type="none" w="med" len="med"/>
+            <a:tailEnd type="triangle"/>
+          </a:ln>
+          <a:effectLst/>
+          <a:extLst>
+            <a:ext uri="{AF507438-7753-43E0-B8FC-AC1667EBCBE1}">
+              <a14:hiddenEffects xmlns:a14="http://schemas.microsoft.com/office/drawing/2010/main">
+                <a:effectLst>
+                  <a:outerShdw dist="35921" dir="2700000" algn="ctr" rotWithShape="0">
+                    <a:schemeClr val="bg2"/>
+                  </a:outerShdw>
+                </a:effectLst>
+              </a14:hiddenEffects>
+            </a:ext>
+          </a:extLst>
+        </p:spPr>
+      </p:cxnSp>
+      <p:cxnSp>
+        <p:nvCxnSpPr>
+          <p:cNvPr id="41" name="Curved Connector 40"/>
+          <p:cNvCxnSpPr/>
+          <p:nvPr/>
+        </p:nvCxnSpPr>
+        <p:spPr bwMode="auto">
+          <a:xfrm rot="5400000" flipH="1" flipV="1">
+            <a:off x="10159676" y="2827894"/>
+            <a:ext cx="477566" cy="360218"/>
+          </a:xfrm>
+          <a:prstGeom prst="curvedConnector3">
+            <a:avLst>
+              <a:gd name="adj1" fmla="val 47099"/>
+            </a:avLst>
+          </a:prstGeom>
+          <a:solidFill>
+            <a:schemeClr val="accent1"/>
+          </a:solidFill>
+          <a:ln w="9525" cap="flat" cmpd="sng" algn="ctr">
+            <a:solidFill>
+              <a:schemeClr val="tx1"/>
+            </a:solidFill>
+            <a:prstDash val="solid"/>
+            <a:round/>
+            <a:headEnd type="none" w="med" len="med"/>
+            <a:tailEnd type="triangle"/>
+          </a:ln>
+          <a:effectLst/>
+          <a:extLst>
+            <a:ext uri="{AF507438-7753-43E0-B8FC-AC1667EBCBE1}">
+              <a14:hiddenEffects xmlns:a14="http://schemas.microsoft.com/office/drawing/2010/main">
+                <a:effectLst>
+                  <a:outerShdw dist="35921" dir="2700000" algn="ctr" rotWithShape="0">
+                    <a:schemeClr val="bg2"/>
+                  </a:outerShdw>
+                </a:effectLst>
+              </a14:hiddenEffects>
+            </a:ext>
+          </a:extLst>
+        </p:spPr>
+      </p:cxnSp>
+      <p:cxnSp>
+        <p:nvCxnSpPr>
+          <p:cNvPr id="43" name="Curved Connector 42"/>
+          <p:cNvCxnSpPr/>
+          <p:nvPr/>
+        </p:nvCxnSpPr>
+        <p:spPr bwMode="auto">
+          <a:xfrm rot="5400000" flipH="1" flipV="1">
+            <a:off x="9929286" y="3151450"/>
+            <a:ext cx="1185121" cy="566585"/>
+          </a:xfrm>
+          <a:prstGeom prst="curvedConnector3">
+            <a:avLst/>
+          </a:prstGeom>
+          <a:solidFill>
+            <a:schemeClr val="accent1"/>
+          </a:solidFill>
+          <a:ln w="9525" cap="flat" cmpd="sng" algn="ctr">
+            <a:solidFill>
+              <a:schemeClr val="tx1"/>
+            </a:solidFill>
+            <a:prstDash val="solid"/>
+            <a:round/>
+            <a:headEnd type="none" w="med" len="med"/>
+            <a:tailEnd type="triangle"/>
+          </a:ln>
+          <a:effectLst/>
+          <a:extLst>
+            <a:ext uri="{AF507438-7753-43E0-B8FC-AC1667EBCBE1}">
+              <a14:hiddenEffects xmlns:a14="http://schemas.microsoft.com/office/drawing/2010/main">
+                <a:effectLst>
+                  <a:outerShdw dist="35921" dir="2700000" algn="ctr" rotWithShape="0">
+                    <a:schemeClr val="bg2"/>
+                  </a:outerShdw>
+                </a:effectLst>
+              </a14:hiddenEffects>
+            </a:ext>
+          </a:extLst>
+        </p:spPr>
+      </p:cxnSp>
+      <p:cxnSp>
+        <p:nvCxnSpPr>
+          <p:cNvPr id="46" name="Straight Arrow Connector 45"/>
+          <p:cNvCxnSpPr/>
+          <p:nvPr/>
+        </p:nvCxnSpPr>
+        <p:spPr bwMode="auto">
+          <a:xfrm>
+            <a:off x="11326092" y="2813286"/>
+            <a:ext cx="173182" cy="1181660"/>
+          </a:xfrm>
+          <a:prstGeom prst="straightConnector1">
+            <a:avLst/>
+          </a:prstGeom>
+          <a:solidFill>
+            <a:schemeClr val="accent1"/>
+          </a:solidFill>
+          <a:ln w="9525" cap="flat" cmpd="sng" algn="ctr">
+            <a:solidFill>
+              <a:schemeClr val="tx1"/>
+            </a:solidFill>
+            <a:prstDash val="solid"/>
+            <a:round/>
+            <a:headEnd type="none" w="med" len="med"/>
+            <a:tailEnd type="triangle"/>
+          </a:ln>
+          <a:effectLst/>
+          <a:extLst>
+            <a:ext uri="{AF507438-7753-43E0-B8FC-AC1667EBCBE1}">
+              <a14:hiddenEffects xmlns:a14="http://schemas.microsoft.com/office/drawing/2010/main">
+                <a:effectLst>
+                  <a:outerShdw dist="35921" dir="2700000" algn="ctr" rotWithShape="0">
+                    <a:schemeClr val="bg2"/>
+                  </a:outerShdw>
+                </a:effectLst>
+              </a14:hiddenEffects>
+            </a:ext>
+          </a:extLst>
+        </p:spPr>
+      </p:cxnSp>
+      <p:sp>
+        <p:nvSpPr>
+          <p:cNvPr id="51" name="TextBox 50"/>
+          <p:cNvSpPr txBox="1"/>
+          <p:nvPr/>
+        </p:nvSpPr>
+        <p:spPr>
+          <a:xfrm>
+            <a:off x="5133552" y="3994946"/>
+            <a:ext cx="1009482" cy="374073"/>
+          </a:xfrm>
+          <a:prstGeom prst="rect">
+            <a:avLst/>
+          </a:prstGeom>
+          <a:noFill/>
+        </p:spPr>
+        <p:txBody>
+          <a:bodyPr wrap="square" rtlCol="0">
+            <a:spAutoFit/>
+          </a:bodyPr>
+          <a:lstStyle/>
+          <a:p>
+            <a:r>
+              <a:rPr lang="en-US" dirty="0"/>
+              <a:t>prepare</a:t>
+            </a:r>
+            <a:endParaRPr lang="en-US" dirty="0"/>
+          </a:p>
+        </p:txBody>
+      </p:sp>
+      <p:sp>
+        <p:nvSpPr>
+          <p:cNvPr id="53" name="TextBox 52"/>
+          <p:cNvSpPr txBox="1"/>
+          <p:nvPr/>
+        </p:nvSpPr>
+        <p:spPr>
+          <a:xfrm>
+            <a:off x="4065462" y="4067062"/>
+            <a:ext cx="799282" cy="369332"/>
+          </a:xfrm>
+          <a:prstGeom prst="rect">
+            <a:avLst/>
+          </a:prstGeom>
+          <a:noFill/>
+        </p:spPr>
+        <p:txBody>
+          <a:bodyPr wrap="square" rtlCol="0">
+            <a:spAutoFit/>
+          </a:bodyPr>
+          <a:lstStyle/>
+          <a:p>
+            <a:r>
+              <a:rPr lang="en-US" dirty="0" smtClean="0"/>
+              <a:t>Data</a:t>
+            </a:r>
+            <a:endParaRPr lang="en-US" dirty="0"/>
+          </a:p>
+        </p:txBody>
+      </p:sp>
     </p:spTree>
     <p:extLst>
       <p:ext uri="{BB962C8B-B14F-4D97-AF65-F5344CB8AC3E}">
@@ -7048,6 +8179,13 @@
   <p:clrMapOvr>
     <a:masterClrMapping/>
   </p:clrMapOvr>
+  <p:timing>
+    <p:tnLst>
+      <p:par>
+        <p:cTn id="1" dur="indefinite" restart="never" nodeType="tmRoot"/>
+      </p:par>
+    </p:tnLst>
+  </p:timing>
 </p:sld>
 </file>
 
@@ -7287,6 +8425,13 @@
   <p:clrMapOvr>
     <a:masterClrMapping/>
   </p:clrMapOvr>
+  <p:timing>
+    <p:tnLst>
+      <p:par>
+        <p:cTn id="1" dur="indefinite" restart="never" nodeType="tmRoot"/>
+      </p:par>
+    </p:tnLst>
+  </p:timing>
 </p:sld>
 </file>
 

--- a/presentations/Final Presentation.pptx
+++ b/presentations/Final Presentation.pptx
@@ -3730,41 +3730,35 @@
                 <a:cs typeface="Arial"/>
               </a:rPr>
             </a:br>
-            <a:r>
-              <a:rPr lang="de-DE" dirty="0">
-                <a:cs typeface="Arial"/>
-              </a:rPr>
-              <a:t/>
-            </a:r>
             <a:br>
               <a:rPr lang="de-DE" dirty="0">
                 <a:cs typeface="Arial"/>
               </a:rPr>
             </a:br>
             <a:r>
-              <a:rPr lang="en-US" dirty="0" smtClean="0">
+              <a:rPr lang="en-US" dirty="0">
                 <a:cs typeface="Arial"/>
               </a:rPr>
               <a:t> </a:t>
             </a:r>
             <a:br>
-              <a:rPr lang="en-US" dirty="0" smtClean="0">
+              <a:rPr lang="en-US" dirty="0">
                 <a:cs typeface="Arial"/>
               </a:rPr>
             </a:br>
             <a:r>
-              <a:rPr lang="en-US" dirty="0" smtClean="0">
+              <a:rPr lang="en-US" dirty="0">
                 <a:cs typeface="Arial"/>
               </a:rPr>
               <a:t>Cost-Sensitive Boosting for Classification</a:t>
             </a:r>
             <a:br>
-              <a:rPr lang="en-US" dirty="0" smtClean="0">
+              <a:rPr lang="en-US" dirty="0">
                 <a:cs typeface="Arial"/>
               </a:rPr>
             </a:br>
             <a:r>
-              <a:rPr lang="en-US" dirty="0" smtClean="0">
+              <a:rPr lang="en-US" dirty="0">
                 <a:cs typeface="Arial"/>
               </a:rPr>
               <a:t> of Imbalanced Data</a:t>
@@ -3919,13 +3913,6 @@
   <p:clrMapOvr>
     <a:masterClrMapping/>
   </p:clrMapOvr>
-  <p:timing>
-    <p:tnLst>
-      <p:par>
-        <p:cTn id="1" dur="indefinite" restart="never" nodeType="tmRoot"/>
-      </p:par>
-    </p:tnLst>
-  </p:timing>
 </p:sld>
 </file>
 
@@ -3968,7 +3955,7 @@
           <a:lstStyle/>
           <a:p>
             <a:r>
-              <a:rPr lang="en-US" dirty="0" smtClean="0">
+              <a:rPr lang="en-US" dirty="0">
                 <a:cs typeface="Arial"/>
               </a:rPr>
               <a:t>Evaluation Measures</a:t>
@@ -4000,24 +3987,20 @@
           <a:p>
             <a:r>
               <a:rPr lang="en-US" dirty="0"/>
-              <a:t>Evaluating the predictive </a:t>
-            </a:r>
-            <a:r>
-              <a:rPr lang="en-US" dirty="0" smtClean="0"/>
-              <a:t>performance:</a:t>
+              <a:t>Evaluating the predictive performance:</a:t>
             </a:r>
           </a:p>
           <a:p>
             <a:pPr lvl="1"/>
             <a:r>
-              <a:rPr lang="en-US" dirty="0" smtClean="0"/>
+              <a:rPr lang="en-US" dirty="0"/>
               <a:t>Precision</a:t>
             </a:r>
           </a:p>
           <a:p>
             <a:pPr lvl="1"/>
             <a:r>
-              <a:rPr lang="en-US" dirty="0" smtClean="0"/>
+              <a:rPr lang="en-US" dirty="0"/>
               <a:t>Recall</a:t>
             </a:r>
           </a:p>
@@ -4025,15 +4008,14 @@
             <a:pPr marL="0" indent="0">
               <a:buNone/>
             </a:pPr>
-            <a:endParaRPr lang="en-US" dirty="0" smtClean="0"/>
+            <a:endParaRPr lang="en-US" dirty="0"/>
           </a:p>
           <a:p>
             <a:pPr lvl="1"/>
             <a:r>
-              <a:rPr lang="en-US" dirty="0" smtClean="0"/>
+              <a:rPr lang="en-US" dirty="0"/>
               <a:t>F-Measure</a:t>
             </a:r>
-            <a:endParaRPr lang="en-US" dirty="0"/>
           </a:p>
           <a:p>
             <a:pPr marL="0" indent="0">
@@ -4189,13 +4171,6 @@
   <p:clrMapOvr>
     <a:masterClrMapping/>
   </p:clrMapOvr>
-  <p:timing>
-    <p:tnLst>
-      <p:par>
-        <p:cTn id="1" dur="indefinite" restart="never" nodeType="tmRoot"/>
-      </p:par>
-    </p:tnLst>
-  </p:timing>
 </p:sld>
 </file>
 
@@ -4268,10 +4243,9 @@
           <a:lstStyle/>
           <a:p>
             <a:r>
-              <a:rPr lang="en-US" dirty="0" smtClean="0"/>
+              <a:rPr lang="en-US" dirty="0"/>
               <a:t>Results</a:t>
             </a:r>
-            <a:endParaRPr lang="en-US" dirty="0"/>
           </a:p>
         </p:txBody>
       </p:sp>
@@ -4402,13 +4376,6 @@
   <p:clrMapOvr>
     <a:masterClrMapping/>
   </p:clrMapOvr>
-  <p:timing>
-    <p:tnLst>
-      <p:par>
-        <p:cTn id="1" dur="indefinite" restart="never" nodeType="tmRoot"/>
-      </p:par>
-    </p:tnLst>
-  </p:timing>
 </p:sld>
 </file>
 
@@ -4451,10 +4418,9 @@
           <a:lstStyle/>
           <a:p>
             <a:r>
-              <a:rPr lang="en-US" dirty="0" smtClean="0"/>
+              <a:rPr lang="en-US" dirty="0"/>
               <a:t>Results</a:t>
             </a:r>
-            <a:endParaRPr lang="en-US" dirty="0"/>
           </a:p>
         </p:txBody>
       </p:sp>
@@ -4628,10 +4594,9 @@
           <a:lstStyle/>
           <a:p>
             <a:r>
-              <a:rPr lang="en-US" sz="1200" dirty="0" smtClean="0"/>
+              <a:rPr lang="en-US" sz="1200" dirty="0"/>
               <a:t>Imbalance ratio = #minority / #majority</a:t>
             </a:r>
-            <a:endParaRPr lang="en-US" sz="1200" dirty="0"/>
           </a:p>
         </p:txBody>
       </p:sp>
@@ -4645,13 +4610,6 @@
   <p:clrMapOvr>
     <a:masterClrMapping/>
   </p:clrMapOvr>
-  <p:timing>
-    <p:tnLst>
-      <p:par>
-        <p:cTn id="1" dur="indefinite" restart="never" nodeType="tmRoot"/>
-      </p:par>
-    </p:tnLst>
-  </p:timing>
 </p:sld>
 </file>
 
@@ -4751,13 +4709,6 @@
   <p:clrMapOvr>
     <a:masterClrMapping/>
   </p:clrMapOvr>
-  <p:timing>
-    <p:tnLst>
-      <p:par>
-        <p:cTn id="1" dur="indefinite" restart="never" nodeType="tmRoot"/>
-      </p:par>
-    </p:tnLst>
-  </p:timing>
 </p:sld>
 </file>
 
@@ -4800,10 +4751,9 @@
           <a:lstStyle/>
           <a:p>
             <a:r>
-              <a:rPr lang="en-US" dirty="0" smtClean="0"/>
+              <a:rPr lang="en-US" dirty="0"/>
               <a:t>Algorithmic Behavior </a:t>
             </a:r>
-            <a:endParaRPr lang="en-US" dirty="0"/>
           </a:p>
         </p:txBody>
       </p:sp>
@@ -4904,13 +4854,6 @@
   <p:clrMapOvr>
     <a:masterClrMapping/>
   </p:clrMapOvr>
-  <p:timing>
-    <p:tnLst>
-      <p:par>
-        <p:cTn id="1" dur="indefinite" restart="never" nodeType="tmRoot"/>
-      </p:par>
-    </p:tnLst>
-  </p:timing>
 </p:sld>
 </file>
 
@@ -4953,7 +4896,7 @@
           <a:lstStyle/>
           <a:p>
             <a:r>
-              <a:rPr lang="en-US" dirty="0" smtClean="0">
+              <a:rPr lang="en-US" dirty="0">
                 <a:cs typeface="Arial"/>
               </a:rPr>
               <a:t>Agenda</a:t>
@@ -4994,7 +4937,7 @@
               </a:lnSpc>
             </a:pPr>
             <a:r>
-              <a:rPr lang="en-US" dirty="0" smtClean="0">
+              <a:rPr lang="en-US" dirty="0">
                 <a:solidFill>
                   <a:srgbClr val="000000"/>
                 </a:solidFill>
@@ -5010,7 +4953,7 @@
               </a:lnSpc>
             </a:pPr>
             <a:r>
-              <a:rPr lang="en-US" dirty="0" smtClean="0">
+              <a:rPr lang="en-US" dirty="0">
                 <a:solidFill>
                   <a:srgbClr val="000000"/>
                 </a:solidFill>
@@ -5026,7 +4969,7 @@
               </a:lnSpc>
             </a:pPr>
             <a:r>
-              <a:rPr lang="en-US" dirty="0" smtClean="0">
+              <a:rPr lang="en-US" dirty="0">
                 <a:solidFill>
                   <a:srgbClr val="000000"/>
                 </a:solidFill>
@@ -5042,7 +4985,7 @@
               </a:lnSpc>
             </a:pPr>
             <a:r>
-              <a:rPr lang="en-US" dirty="0" smtClean="0">
+              <a:rPr lang="en-US" dirty="0">
                 <a:solidFill>
                   <a:srgbClr val="000000"/>
                 </a:solidFill>
@@ -5058,7 +5001,7 @@
               </a:lnSpc>
             </a:pPr>
             <a:r>
-              <a:rPr lang="en-US" dirty="0" smtClean="0">
+              <a:rPr lang="en-US" dirty="0">
                 <a:solidFill>
                   <a:srgbClr val="000000"/>
                 </a:solidFill>
@@ -5107,13 +5050,6 @@
   <p:clrMapOvr>
     <a:masterClrMapping/>
   </p:clrMapOvr>
-  <p:timing>
-    <p:tnLst>
-      <p:par>
-        <p:cTn id="1" dur="indefinite" restart="never" nodeType="tmRoot"/>
-      </p:par>
-    </p:tnLst>
-  </p:timing>
 </p:sld>
 </file>
 
@@ -5157,19 +5093,10 @@
           <a:p>
             <a:pPr lvl="1"/>
             <a:r>
-              <a:rPr lang="en-US" dirty="0" smtClean="0">
+              <a:rPr lang="en-US" dirty="0">
                 <a:cs typeface="Arial"/>
               </a:rPr>
               <a:t>Data Imbalance Problem</a:t>
-            </a:r>
-            <a:r>
-              <a:rPr lang="en-US" dirty="0">
-                <a:solidFill>
-                  <a:srgbClr val="000000"/>
-                </a:solidFill>
-                <a:cs typeface="Arial"/>
-              </a:rPr>
-              <a:t/>
             </a:r>
             <a:br>
               <a:rPr lang="en-US" dirty="0">
@@ -5213,25 +5140,17 @@
               <a:rPr lang="en-US" dirty="0">
                 <a:cs typeface="Arial"/>
               </a:rPr>
-              <a:t>Imbalanced class distribution: having many more instances of some classes than others </a:t>
-            </a:r>
-            <a:endParaRPr lang="en-US" dirty="0" smtClean="0"/>
-          </a:p>
-          <a:p>
-            <a:r>
-              <a:rPr lang="en-US" dirty="0" smtClean="0"/>
-              <a:t>Conventional </a:t>
-            </a:r>
+              <a:t>Imbalanced class distribution: having many more instances of one class than the other </a:t>
+            </a:r>
+            <a:endParaRPr lang="en-US" dirty="0"/>
+          </a:p>
+          <a:p>
             <a:r>
               <a:rPr lang="en-US" dirty="0"/>
-              <a:t>Classification Algorithms e.g. decision </a:t>
-            </a:r>
-            <a:r>
-              <a:rPr lang="en-US" dirty="0" smtClean="0"/>
-              <a:t>tree </a:t>
-            </a:r>
-            <a:r>
-              <a:rPr lang="en-US" dirty="0" smtClean="0">
+              <a:t>Conventional Classification Algorithms e.g. decision tree </a:t>
+            </a:r>
+            <a:r>
+              <a:rPr lang="en-US" dirty="0">
                 <a:solidFill>
                   <a:srgbClr val="FF0000"/>
                 </a:solidFill>
@@ -5239,19 +5158,14 @@
               <a:t>fails</a:t>
             </a:r>
             <a:r>
-              <a:rPr lang="en-US" dirty="0" smtClean="0"/>
+              <a:rPr lang="en-US" dirty="0"/>
               <a:t>! </a:t>
             </a:r>
-            <a:endParaRPr lang="en-US" dirty="0"/>
           </a:p>
           <a:p>
             <a:r>
               <a:rPr lang="en-US" dirty="0"/>
-              <a:t>Standard classifiers are designed to generalize from </a:t>
-            </a:r>
-            <a:r>
-              <a:rPr lang="en-US" dirty="0" smtClean="0"/>
-              <a:t>balanced</a:t>
+              <a:t>Standard classifiers are designed to generalize from balanced</a:t>
             </a:r>
           </a:p>
           <a:p>
@@ -5259,30 +5173,14 @@
               <a:buNone/>
             </a:pPr>
             <a:r>
-              <a:rPr lang="en-US" dirty="0" smtClean="0"/>
-              <a:t>     </a:t>
-            </a:r>
-            <a:r>
               <a:rPr lang="en-US" dirty="0"/>
-              <a:t>training </a:t>
-            </a:r>
-            <a:r>
-              <a:rPr lang="en-US" dirty="0" smtClean="0"/>
-              <a:t>data</a:t>
-            </a:r>
-          </a:p>
-          <a:p>
-            <a:r>
-              <a:rPr lang="en-US" dirty="0" smtClean="0"/>
-              <a:t>Traditional </a:t>
-            </a:r>
+              <a:t>     training data</a:t>
+            </a:r>
+          </a:p>
+          <a:p>
             <a:r>
               <a:rPr lang="en-US" dirty="0"/>
-              <a:t>evaluation measures like accuracy are </a:t>
-            </a:r>
-            <a:r>
-              <a:rPr lang="en-US" dirty="0" smtClean="0"/>
-              <a:t>misleading</a:t>
+              <a:t>Traditional evaluation measures like accuracy are misleading</a:t>
             </a:r>
           </a:p>
           <a:p>
@@ -5290,18 +5188,9 @@
               <a:buNone/>
             </a:pPr>
             <a:r>
-              <a:rPr lang="en-US" dirty="0" smtClean="0"/>
-              <a:t>     </a:t>
-            </a:r>
-            <a:r>
               <a:rPr lang="en-US" dirty="0"/>
-              <a:t>as they focus on average </a:t>
-            </a:r>
-            <a:r>
-              <a:rPr lang="en-US" dirty="0" smtClean="0"/>
-              <a:t>performance</a:t>
-            </a:r>
-            <a:endParaRPr lang="en-US" dirty="0"/>
+              <a:t>     as they focus on average performance</a:t>
+            </a:r>
           </a:p>
         </p:txBody>
       </p:sp>
@@ -5394,10 +5283,9 @@
           <a:lstStyle/>
           <a:p>
             <a:r>
-              <a:rPr lang="en-US" sz="1600" dirty="0" smtClean="0"/>
+              <a:rPr lang="en-US" sz="1600" dirty="0"/>
               <a:t>Imbalanced Distribution</a:t>
             </a:r>
-            <a:endParaRPr lang="en-US" sz="1600" dirty="0"/>
           </a:p>
         </p:txBody>
       </p:sp>
@@ -5411,13 +5299,6 @@
   <p:clrMapOvr>
     <a:masterClrMapping/>
   </p:clrMapOvr>
-  <p:timing>
-    <p:tnLst>
-      <p:par>
-        <p:cTn id="1" dur="indefinite" restart="never" nodeType="tmRoot"/>
-      </p:par>
-    </p:tnLst>
-  </p:timing>
 </p:sld>
 </file>
 
@@ -5461,7 +5342,7 @@
           <a:p>
             <a:pPr lvl="1"/>
             <a:r>
-              <a:rPr lang="en-US" dirty="0" smtClean="0">
+              <a:rPr lang="en-US" dirty="0">
                 <a:cs typeface="Arial"/>
               </a:rPr>
               <a:t>Boosting</a:t>
@@ -5497,28 +5378,24 @@
           <a:lstStyle/>
           <a:p>
             <a:r>
-              <a:rPr lang="en-US" dirty="0" err="1" smtClean="0"/>
+              <a:rPr lang="en-US" dirty="0" err="1"/>
               <a:t>AdaBoost</a:t>
             </a:r>
             <a:r>
               <a:rPr lang="en-US" dirty="0"/>
-              <a:t>: Sequential ensemble algorithm based on n </a:t>
-            </a:r>
-            <a:r>
-              <a:rPr lang="en-US" dirty="0" smtClean="0"/>
-              <a:t>weighted weak learners</a:t>
-            </a:r>
-          </a:p>
-          <a:p>
-            <a:endParaRPr lang="en-US" dirty="0" smtClean="0"/>
-          </a:p>
-          <a:p>
-            <a:r>
-              <a:rPr lang="en-US" dirty="0" smtClean="0"/>
+              <a:t>: Sequential ensemble algorithm based on n weighted weak learners</a:t>
+            </a:r>
+          </a:p>
+          <a:p>
+            <a:endParaRPr lang="en-US" dirty="0"/>
+          </a:p>
+          <a:p>
+            <a:r>
+              <a:rPr lang="en-US" dirty="0"/>
               <a:t>Weighting </a:t>
             </a:r>
             <a:r>
-              <a:rPr lang="en-US" dirty="0" smtClean="0">
+              <a:rPr lang="en-US" dirty="0">
                 <a:solidFill>
                   <a:srgbClr val="000000"/>
                 </a:solidFill>
@@ -5526,29 +5403,28 @@
               </a:rPr>
               <a:t>Strategy:</a:t>
             </a:r>
-            <a:endParaRPr lang="en-US" dirty="0" smtClean="0"/>
-          </a:p>
-          <a:p>
             <a:endParaRPr lang="en-US" dirty="0"/>
           </a:p>
           <a:p>
-            <a:endParaRPr lang="en-US" dirty="0" smtClean="0"/>
-          </a:p>
-          <a:p>
             <a:endParaRPr lang="en-US" dirty="0"/>
           </a:p>
           <a:p>
-            <a:endParaRPr lang="en-US" dirty="0" smtClean="0"/>
-          </a:p>
-          <a:p>
-            <a:r>
-              <a:rPr lang="en-US" dirty="0" smtClean="0"/>
+            <a:endParaRPr lang="en-US" dirty="0"/>
+          </a:p>
+          <a:p>
+            <a:endParaRPr lang="en-US" dirty="0"/>
+          </a:p>
+          <a:p>
+            <a:endParaRPr lang="en-US" dirty="0"/>
+          </a:p>
+          <a:p>
+            <a:r>
+              <a:rPr lang="en-US" dirty="0"/>
               <a:t>Better Idea: assign class weights! </a:t>
             </a:r>
+          </a:p>
+          <a:p>
             <a:endParaRPr lang="en-US" dirty="0"/>
-          </a:p>
-          <a:p>
-            <a:endParaRPr lang="en-US" dirty="0" smtClean="0"/>
           </a:p>
         </p:txBody>
       </p:sp>
@@ -5672,13 +5548,6 @@
   <p:clrMapOvr>
     <a:masterClrMapping/>
   </p:clrMapOvr>
-  <p:timing>
-    <p:tnLst>
-      <p:par>
-        <p:cTn id="1" dur="indefinite" restart="never" nodeType="tmRoot"/>
-      </p:par>
-    </p:tnLst>
-  </p:timing>
 </p:sld>
 </file>
 
@@ -5699,6 +5568,36 @@
           <a:chExt cx="0" cy="0"/>
         </a:xfrm>
       </p:grpSpPr>
+      <p:pic>
+        <p:nvPicPr>
+          <p:cNvPr id="6" name="Picture 5">
+            <a:extLst>
+              <a:ext uri="{FF2B5EF4-FFF2-40B4-BE49-F238E27FC236}">
+                <a16:creationId xmlns:a16="http://schemas.microsoft.com/office/drawing/2014/main" id="{4AEF688F-9DD9-473F-8606-3393F0E3A81D}"/>
+              </a:ext>
+            </a:extLst>
+          </p:cNvPr>
+          <p:cNvPicPr>
+            <a:picLocks noChangeAspect="1"/>
+          </p:cNvPicPr>
+          <p:nvPr/>
+        </p:nvPicPr>
+        <p:blipFill>
+          <a:blip r:embed="rId2"/>
+          <a:stretch>
+            <a:fillRect/>
+          </a:stretch>
+        </p:blipFill>
+        <p:spPr>
+          <a:xfrm>
+            <a:off x="4024162" y="2684622"/>
+            <a:ext cx="4502760" cy="3050257"/>
+          </a:xfrm>
+          <a:prstGeom prst="rect">
+            <a:avLst/>
+          </a:prstGeom>
+        </p:spPr>
+      </p:pic>
       <p:sp>
         <p:nvSpPr>
           <p:cNvPr id="2" name="Title 1">
@@ -5722,19 +5621,10 @@
           <a:p>
             <a:pPr lvl="1"/>
             <a:r>
-              <a:rPr lang="en-US" dirty="0" smtClean="0">
+              <a:rPr lang="en-US" dirty="0">
                 <a:cs typeface="Arial"/>
               </a:rPr>
               <a:t>Cost-Sensitive Boosting</a:t>
-            </a:r>
-            <a:r>
-              <a:rPr lang="en-US" dirty="0">
-                <a:solidFill>
-                  <a:srgbClr val="000000"/>
-                </a:solidFill>
-                <a:cs typeface="Arial"/>
-              </a:rPr>
-              <a:t/>
             </a:r>
             <a:br>
               <a:rPr lang="en-US" dirty="0">
@@ -5780,13 +5670,13 @@
             </a:r>
           </a:p>
           <a:p>
-            <a:endParaRPr lang="en-US" dirty="0" smtClean="0"/>
-          </a:p>
-          <a:p>
             <a:endParaRPr lang="en-US" dirty="0"/>
           </a:p>
           <a:p>
-            <a:endParaRPr lang="en-US" dirty="0" smtClean="0"/>
+            <a:endParaRPr lang="en-US" dirty="0"/>
+          </a:p>
+          <a:p>
+            <a:endParaRPr lang="en-US" dirty="0"/>
           </a:p>
         </p:txBody>
       </p:sp>
@@ -5818,30 +5708,6 @@
           </a:p>
         </p:txBody>
       </p:sp>
-      <p:pic>
-        <p:nvPicPr>
-          <p:cNvPr id="5" name="Picture 4"/>
-          <p:cNvPicPr>
-            <a:picLocks noChangeAspect="1"/>
-          </p:cNvPicPr>
-          <p:nvPr/>
-        </p:nvPicPr>
-        <p:blipFill>
-          <a:blip r:embed="rId2"/>
-          <a:stretch>
-            <a:fillRect/>
-          </a:stretch>
-        </p:blipFill>
-        <p:spPr>
-          <a:xfrm>
-            <a:off x="3988328" y="2727726"/>
-            <a:ext cx="4581525" cy="2924928"/>
-          </a:xfrm>
-          <a:prstGeom prst="rect">
-            <a:avLst/>
-          </a:prstGeom>
-        </p:spPr>
-      </p:pic>
       <p:sp>
         <p:nvSpPr>
           <p:cNvPr id="8" name="Rectangle 7"/>
@@ -5850,7 +5716,7 @@
         </p:nvSpPr>
         <p:spPr bwMode="auto">
           <a:xfrm>
-            <a:off x="7259782" y="3909837"/>
+            <a:off x="7259782" y="3949593"/>
             <a:ext cx="193963" cy="191108"/>
           </a:xfrm>
           <a:prstGeom prst="rect">
@@ -5867,7 +5733,6 @@
             <a:tailEnd type="none" w="med" len="med"/>
           </a:ln>
           <a:effectLst/>
-          <a:extLst/>
         </p:spPr>
         <p:txBody>
           <a:bodyPr vert="horz" wrap="square" lIns="91440" tIns="45720" rIns="91440" bIns="45720" numCol="1" rtlCol="0" anchor="t" anchorCtr="0" compatLnSpc="1">
@@ -5893,7 +5758,7 @@
               <a:buNone/>
               <a:tabLst/>
             </a:pPr>
-            <a:endParaRPr kumimoji="0" lang="en-US" sz="2400" b="0" i="0" u="none" strike="noStrike" cap="none" normalizeH="0" baseline="0" smtClean="0">
+            <a:endParaRPr kumimoji="0" lang="en-US" sz="2400" b="0" i="0" u="none" strike="noStrike" cap="none" normalizeH="0" baseline="0">
               <a:ln>
                 <a:noFill/>
               </a:ln>
@@ -5932,7 +5797,6 @@
             <a:tailEnd type="none" w="med" len="med"/>
           </a:ln>
           <a:effectLst/>
-          <a:extLst/>
         </p:spPr>
         <p:txBody>
           <a:bodyPr vert="horz" wrap="square" lIns="91440" tIns="45720" rIns="91440" bIns="45720" numCol="1" rtlCol="0" anchor="t" anchorCtr="0" compatLnSpc="1">
@@ -5958,7 +5822,7 @@
               <a:buNone/>
               <a:tabLst/>
             </a:pPr>
-            <a:endParaRPr kumimoji="0" lang="en-US" sz="2400" b="0" i="0" u="none" strike="noStrike" cap="none" normalizeH="0" baseline="0" smtClean="0">
+            <a:endParaRPr kumimoji="0" lang="en-US" sz="2400" b="0" i="0" u="none" strike="noStrike" cap="none" normalizeH="0" baseline="0">
               <a:ln>
                 <a:noFill/>
               </a:ln>
@@ -5980,7 +5844,7 @@
         </p:nvSpPr>
         <p:spPr bwMode="auto">
           <a:xfrm>
-            <a:off x="6650182" y="5154506"/>
+            <a:off x="6640243" y="5124689"/>
             <a:ext cx="193963" cy="191108"/>
           </a:xfrm>
           <a:prstGeom prst="rect">
@@ -5997,7 +5861,6 @@
             <a:tailEnd type="none" w="med" len="med"/>
           </a:ln>
           <a:effectLst/>
-          <a:extLst/>
         </p:spPr>
         <p:txBody>
           <a:bodyPr vert="horz" wrap="square" lIns="91440" tIns="45720" rIns="91440" bIns="45720" numCol="1" rtlCol="0" anchor="t" anchorCtr="0" compatLnSpc="1">
@@ -6023,7 +5886,7 @@
               <a:buNone/>
               <a:tabLst/>
             </a:pPr>
-            <a:endParaRPr kumimoji="0" lang="en-US" sz="2400" b="0" i="0" u="none" strike="noStrike" cap="none" normalizeH="0" baseline="0" smtClean="0">
+            <a:endParaRPr kumimoji="0" lang="en-US" sz="2400" b="0" i="0" u="none" strike="noStrike" cap="none" normalizeH="0" baseline="0">
               <a:ln>
                 <a:noFill/>
               </a:ln>
@@ -6045,7 +5908,7 @@
         </p:nvSpPr>
         <p:spPr bwMode="auto">
           <a:xfrm>
-            <a:off x="7416054" y="5154506"/>
+            <a:off x="7445871" y="5134628"/>
             <a:ext cx="193963" cy="191108"/>
           </a:xfrm>
           <a:prstGeom prst="rect">
@@ -6062,7 +5925,6 @@
             <a:tailEnd type="none" w="med" len="med"/>
           </a:ln>
           <a:effectLst/>
-          <a:extLst/>
         </p:spPr>
         <p:txBody>
           <a:bodyPr vert="horz" wrap="square" lIns="91440" tIns="45720" rIns="91440" bIns="45720" numCol="1" rtlCol="0" anchor="t" anchorCtr="0" compatLnSpc="1">
@@ -6088,7 +5950,7 @@
               <a:buNone/>
               <a:tabLst/>
             </a:pPr>
-            <a:endParaRPr kumimoji="0" lang="en-US" sz="2400" b="0" i="0" u="none" strike="noStrike" cap="none" normalizeH="0" baseline="0" smtClean="0">
+            <a:endParaRPr kumimoji="0" lang="en-US" sz="2400" b="0" i="0" u="none" strike="noStrike" cap="none" normalizeH="0" baseline="0">
               <a:ln>
                 <a:noFill/>
               </a:ln>
@@ -6112,13 +5974,6 @@
   <p:clrMapOvr>
     <a:masterClrMapping/>
   </p:clrMapOvr>
-  <p:timing>
-    <p:tnLst>
-      <p:par>
-        <p:cTn id="1" dur="indefinite" restart="never" nodeType="tmRoot"/>
-      </p:par>
-    </p:tnLst>
-  </p:timing>
 </p:sld>
 </file>
 
@@ -6290,19 +6145,7 @@
                           <a:ea typeface="+mn-ea"/>
                           <a:cs typeface="+mn-cs"/>
                         </a:rPr>
-                        <a:t>9 </a:t>
-                      </a:r>
-                      <a:r>
-                        <a:rPr lang="en-GB" sz="1800" b="0" i="0" kern="1200" noProof="0" dirty="0" smtClean="0">
-                          <a:solidFill>
-                            <a:schemeClr val="tx1"/>
-                          </a:solidFill>
-                          <a:effectLst/>
-                          <a:latin typeface="+mn-lt"/>
-                          <a:ea typeface="+mn-ea"/>
-                          <a:cs typeface="+mn-cs"/>
-                        </a:rPr>
-                        <a:t>features</a:t>
+                        <a:t>9 features</a:t>
                       </a:r>
                     </a:p>
                     <a:p>
@@ -6311,7 +6154,7 @@
                         <a:buChar char="•"/>
                       </a:pPr>
                       <a:r>
-                        <a:rPr lang="en-GB" sz="1800" b="0" i="0" kern="1200" noProof="0" dirty="0" smtClean="0">
+                        <a:rPr lang="en-GB" sz="1800" b="0" i="0" kern="1200" noProof="0" dirty="0">
                           <a:solidFill>
                             <a:schemeClr val="tx1"/>
                           </a:solidFill>
@@ -6329,18 +6172,6 @@
                         <a:buChar char="•"/>
                       </a:pPr>
                       <a:r>
-                        <a:rPr lang="en-GB" sz="1800" b="0" i="0" kern="1200" noProof="0" dirty="0" smtClean="0">
-                          <a:solidFill>
-                            <a:schemeClr val="tx1"/>
-                          </a:solidFill>
-                          <a:effectLst/>
-                          <a:latin typeface="+mn-lt"/>
-                          <a:ea typeface="+mn-ea"/>
-                          <a:cs typeface="+mn-cs"/>
-                        </a:rPr>
-                        <a:t>29.7</a:t>
-                      </a:r>
-                      <a:r>
                         <a:rPr lang="en-GB" sz="1800" b="0" i="0" kern="1200" noProof="0" dirty="0">
                           <a:solidFill>
                             <a:schemeClr val="tx1"/>
@@ -6350,7 +6181,7 @@
                           <a:ea typeface="+mn-ea"/>
                           <a:cs typeface="+mn-cs"/>
                         </a:rPr>
-                        <a:t>% positive, 70.3% negative</a:t>
+                        <a:t>29.7% positive, 70.3% negative</a:t>
                       </a:r>
                     </a:p>
                     <a:p>
@@ -6407,19 +6238,7 @@
                           <a:ea typeface="+mn-ea"/>
                           <a:cs typeface="+mn-cs"/>
                         </a:rPr>
-                        <a:t>10 </a:t>
-                      </a:r>
-                      <a:r>
-                        <a:rPr lang="en-GB" sz="1800" b="0" i="0" kern="1200" noProof="0" dirty="0" smtClean="0">
-                          <a:solidFill>
-                            <a:schemeClr val="tx1"/>
-                          </a:solidFill>
-                          <a:effectLst/>
-                          <a:latin typeface="+mn-lt"/>
-                          <a:ea typeface="+mn-ea"/>
-                          <a:cs typeface="+mn-cs"/>
-                        </a:rPr>
-                        <a:t>features</a:t>
+                        <a:t>10 features</a:t>
                       </a:r>
                     </a:p>
                     <a:p>
@@ -6427,18 +6246,6 @@
                         <a:buFont typeface="Arial" panose="020B0604020202020204" pitchFamily="34" charset="0"/>
                         <a:buChar char="•"/>
                       </a:pPr>
-                      <a:r>
-                        <a:rPr lang="en-GB" sz="1800" b="0" i="0" kern="1200" noProof="0" dirty="0" smtClean="0">
-                          <a:solidFill>
-                            <a:schemeClr val="tx1"/>
-                          </a:solidFill>
-                          <a:effectLst/>
-                          <a:latin typeface="+mn-lt"/>
-                          <a:ea typeface="+mn-ea"/>
-                          <a:cs typeface="+mn-cs"/>
-                        </a:rPr>
-                        <a:t>155 </a:t>
-                      </a:r>
                       <a:r>
                         <a:rPr lang="en-GB" sz="1800" b="0" i="0" kern="1200" noProof="0" dirty="0">
                           <a:solidFill>
@@ -6449,7 +6256,7 @@
                           <a:ea typeface="+mn-ea"/>
                           <a:cs typeface="+mn-cs"/>
                         </a:rPr>
-                        <a:t>instances</a:t>
+                        <a:t>155 instances</a:t>
                       </a:r>
                     </a:p>
                     <a:p>
@@ -6531,29 +6338,8 @@
                           <a:ea typeface="+mn-ea"/>
                           <a:cs typeface="+mn-cs"/>
                         </a:rPr>
-                        <a:t>8 </a:t>
+                        <a:t>8 features</a:t>
                       </a:r>
-                      <a:r>
-                        <a:rPr lang="en-GB" sz="1800" b="0" i="0" kern="1200" noProof="0" dirty="0" smtClean="0">
-                          <a:solidFill>
-                            <a:schemeClr val="tx1"/>
-                          </a:solidFill>
-                          <a:effectLst/>
-                          <a:latin typeface="+mn-lt"/>
-                          <a:ea typeface="+mn-ea"/>
-                          <a:cs typeface="+mn-cs"/>
-                        </a:rPr>
-                        <a:t>features</a:t>
-                      </a:r>
-                      <a:endParaRPr lang="en-GB" sz="1800" b="0" i="0" kern="1200" noProof="0" dirty="0">
-                        <a:solidFill>
-                          <a:schemeClr val="tx1"/>
-                        </a:solidFill>
-                        <a:effectLst/>
-                        <a:latin typeface="+mn-lt"/>
-                        <a:ea typeface="+mn-ea"/>
-                        <a:cs typeface="+mn-cs"/>
-                      </a:endParaRPr>
                     </a:p>
                     <a:p>
                       <a:pPr marL="742950" lvl="1" indent="-285750">
@@ -6579,18 +6365,6 @@
                         <a:buChar char="•"/>
                       </a:pPr>
                       <a:r>
-                        <a:rPr lang="en-GB" sz="1800" b="0" i="0" kern="1200" noProof="0" dirty="0" smtClean="0">
-                          <a:solidFill>
-                            <a:schemeClr val="tx1"/>
-                          </a:solidFill>
-                          <a:effectLst/>
-                          <a:latin typeface="+mn-lt"/>
-                          <a:ea typeface="+mn-ea"/>
-                          <a:cs typeface="+mn-cs"/>
-                        </a:rPr>
-                        <a:t>34.8% </a:t>
-                      </a:r>
-                      <a:r>
                         <a:rPr lang="en-GB" sz="1800" b="0" i="0" kern="1200" noProof="0" dirty="0">
                           <a:solidFill>
                             <a:schemeClr val="tx1"/>
@@ -6600,31 +6374,7 @@
                           <a:ea typeface="+mn-ea"/>
                           <a:cs typeface="+mn-cs"/>
                         </a:rPr>
-                        <a:t>positive, </a:t>
-                      </a:r>
-                      <a:r>
-                        <a:rPr lang="en-GB" sz="1800" b="0" i="0" kern="1200" noProof="0" dirty="0" smtClean="0">
-                          <a:solidFill>
-                            <a:schemeClr val="tx1"/>
-                          </a:solidFill>
-                          <a:effectLst/>
-                          <a:latin typeface="+mn-lt"/>
-                          <a:ea typeface="+mn-ea"/>
-                          <a:cs typeface="+mn-cs"/>
-                        </a:rPr>
-                        <a:t>65.2% </a:t>
-                      </a:r>
-                      <a:r>
-                        <a:rPr lang="en-GB" sz="1800" b="0" i="0" kern="1200" noProof="0" dirty="0">
-                          <a:solidFill>
-                            <a:schemeClr val="tx1"/>
-                          </a:solidFill>
-                          <a:effectLst/>
-                          <a:latin typeface="+mn-lt"/>
-                          <a:ea typeface="+mn-ea"/>
-                          <a:cs typeface="+mn-cs"/>
-                        </a:rPr>
-                        <a:t>negative</a:t>
+                        <a:t>34.8% positive, 65.2% negative</a:t>
                       </a:r>
                     </a:p>
                     <a:p>
@@ -6681,19 +6431,7 @@
                           <a:ea typeface="+mn-ea"/>
                           <a:cs typeface="+mn-cs"/>
                         </a:rPr>
-                        <a:t>25 </a:t>
-                      </a:r>
-                      <a:r>
-                        <a:rPr lang="en-GB" sz="1800" b="0" i="0" kern="1200" noProof="0" dirty="0" smtClean="0">
-                          <a:solidFill>
-                            <a:schemeClr val="tx1"/>
-                          </a:solidFill>
-                          <a:effectLst/>
-                          <a:latin typeface="+mn-lt"/>
-                          <a:ea typeface="+mn-ea"/>
-                          <a:cs typeface="+mn-cs"/>
-                        </a:rPr>
-                        <a:t>features</a:t>
+                        <a:t>25 features</a:t>
                       </a:r>
                     </a:p>
                     <a:p>
@@ -6701,18 +6439,6 @@
                         <a:buFont typeface="Arial" panose="020B0604020202020204" pitchFamily="34" charset="0"/>
                         <a:buChar char="•"/>
                       </a:pPr>
-                      <a:r>
-                        <a:rPr lang="en-GB" sz="1800" b="0" i="0" kern="1200" noProof="0" dirty="0" smtClean="0">
-                          <a:solidFill>
-                            <a:schemeClr val="tx1"/>
-                          </a:solidFill>
-                          <a:effectLst/>
-                          <a:latin typeface="+mn-lt"/>
-                          <a:ea typeface="+mn-ea"/>
-                          <a:cs typeface="+mn-cs"/>
-                        </a:rPr>
-                        <a:t>3163 </a:t>
-                      </a:r>
                       <a:r>
                         <a:rPr lang="en-GB" sz="1800" b="0" i="0" kern="1200" noProof="0" dirty="0">
                           <a:solidFill>
@@ -6723,7 +6449,7 @@
                           <a:ea typeface="+mn-ea"/>
                           <a:cs typeface="+mn-cs"/>
                         </a:rPr>
-                        <a:t>instances</a:t>
+                        <a:t>3163 instances</a:t>
                       </a:r>
                     </a:p>
                     <a:p>
@@ -6815,13 +6541,6 @@
   <p:clrMapOvr>
     <a:masterClrMapping/>
   </p:clrMapOvr>
-  <p:timing>
-    <p:tnLst>
-      <p:par>
-        <p:cTn id="1" dur="indefinite" restart="never" nodeType="tmRoot"/>
-      </p:par>
-    </p:tnLst>
-  </p:timing>
 </p:sld>
 </file>
 
@@ -6867,13 +6586,7 @@
               <a:rPr lang="en-US" dirty="0">
                 <a:cs typeface="Arial"/>
               </a:rPr>
-              <a:t>Data </a:t>
-            </a:r>
-            <a:r>
-              <a:rPr lang="en-US" dirty="0" smtClean="0">
-                <a:cs typeface="Arial"/>
-              </a:rPr>
-              <a:t>Processing</a:t>
+              <a:t>Data Processing</a:t>
             </a:r>
             <a:endParaRPr lang="en-US" dirty="0"/>
           </a:p>
@@ -6906,7 +6619,7 @@
               </a:lnSpc>
             </a:pPr>
             <a:r>
-              <a:rPr lang="en-US" dirty="0" smtClean="0">
+              <a:rPr lang="en-US" dirty="0">
                 <a:cs typeface="Arial"/>
               </a:rPr>
               <a:t>Dealing with missing values</a:t>
@@ -6922,13 +6635,7 @@
               <a:rPr lang="en-US" dirty="0">
                 <a:cs typeface="Arial"/>
               </a:rPr>
-              <a:t>Data </a:t>
-            </a:r>
-            <a:r>
-              <a:rPr lang="en-US" dirty="0" smtClean="0">
-                <a:cs typeface="Arial"/>
-              </a:rPr>
-              <a:t>Imputation</a:t>
+              <a:t>Data Imputation</a:t>
             </a:r>
           </a:p>
           <a:p>
@@ -6937,7 +6644,7 @@
                 <a:spcPct val="150000"/>
               </a:lnSpc>
             </a:pPr>
-            <a:endParaRPr lang="en-US" dirty="0" smtClean="0">
+            <a:endParaRPr lang="en-US" dirty="0">
               <a:cs typeface="Arial"/>
             </a:endParaRPr>
           </a:p>
@@ -6948,7 +6655,7 @@
               </a:lnSpc>
             </a:pPr>
             <a:r>
-              <a:rPr lang="en-US" dirty="0" smtClean="0">
+              <a:rPr lang="en-US" dirty="0">
                 <a:cs typeface="Arial"/>
               </a:rPr>
               <a:t>Categorical features:</a:t>
@@ -6961,10 +6668,10 @@
               </a:lnSpc>
             </a:pPr>
             <a:r>
-              <a:rPr lang="en-US" dirty="0" smtClean="0">
+              <a:rPr lang="en-US" dirty="0">
                 <a:cs typeface="Arial"/>
               </a:rPr>
-              <a:t>One-Hot Encoding</a:t>
+              <a:t>One-Hot encoding</a:t>
             </a:r>
           </a:p>
           <a:p>
@@ -6973,7 +6680,7 @@
                 <a:spcPct val="150000"/>
               </a:lnSpc>
             </a:pPr>
-            <a:endParaRPr lang="en-US" dirty="0" smtClean="0">
+            <a:endParaRPr lang="en-US" dirty="0">
               <a:cs typeface="Arial"/>
             </a:endParaRPr>
           </a:p>
@@ -6984,7 +6691,7 @@
               </a:lnSpc>
             </a:pPr>
             <a:r>
-              <a:rPr lang="en-US" dirty="0" smtClean="0">
+              <a:rPr lang="en-US" dirty="0">
                 <a:cs typeface="Arial"/>
               </a:rPr>
               <a:t>Control imbalance ratio</a:t>
@@ -6996,7 +6703,7 @@
                 <a:spcPct val="150000"/>
               </a:lnSpc>
             </a:pPr>
-            <a:endParaRPr lang="en-US" dirty="0" smtClean="0">
+            <a:endParaRPr lang="en-US" dirty="0">
               <a:cs typeface="Arial"/>
             </a:endParaRPr>
           </a:p>
@@ -7006,7 +6713,7 @@
                 <a:spcPct val="150000"/>
               </a:lnSpc>
             </a:pPr>
-            <a:endParaRPr lang="en-US" dirty="0" smtClean="0">
+            <a:endParaRPr lang="en-US" dirty="0">
               <a:cs typeface="Arial"/>
             </a:endParaRPr>
           </a:p>
@@ -7074,13 +6781,8 @@
           <a:p>
             <a:r>
               <a:rPr lang="en-US" sz="900" dirty="0"/>
-              <a:t>https://</a:t>
-            </a:r>
-            <a:r>
-              <a:rPr lang="en-US" sz="900" dirty="0" smtClean="0"/>
-              <a:t>cran.r-project.org/web/packages/tfdatasets/vignettes/feature_columns.html</a:t>
-            </a:r>
-            <a:endParaRPr lang="en-US" sz="900" dirty="0"/>
+              <a:t>https://cran.r-project.org/web/packages/tfdatasets/vignettes/feature_columns.html</a:t>
+            </a:r>
           </a:p>
         </p:txBody>
       </p:sp>
@@ -7192,7 +6894,6 @@
             <a:tailEnd type="none" w="med" len="med"/>
           </a:ln>
           <a:effectLst/>
-          <a:extLst/>
         </p:spPr>
         <p:txBody>
           <a:bodyPr vert="horz" wrap="square" lIns="91440" tIns="45720" rIns="91440" bIns="45720" numCol="1" rtlCol="0" anchor="t" anchorCtr="0" compatLnSpc="1">
@@ -7218,7 +6919,7 @@
               <a:buNone/>
               <a:tabLst/>
             </a:pPr>
-            <a:endParaRPr kumimoji="0" lang="en-US" sz="2400" b="0" i="0" u="none" strike="noStrike" cap="none" normalizeH="0" baseline="0" smtClean="0">
+            <a:endParaRPr kumimoji="0" lang="en-US" sz="2400" b="0" i="0" u="none" strike="noStrike" cap="none" normalizeH="0" baseline="0">
               <a:ln>
                 <a:noFill/>
               </a:ln>
@@ -7255,7 +6956,7 @@
           <a:lstStyle/>
           <a:p>
             <a:r>
-              <a:rPr lang="de-DE" sz="1200" b="1" dirty="0" err="1" smtClean="0">
+              <a:rPr lang="de-DE" sz="1200" b="1" dirty="0" err="1">
                 <a:solidFill>
                   <a:schemeClr val="accent6"/>
                 </a:solidFill>
@@ -7280,13 +6981,6 @@
   <p:clrMapOvr>
     <a:masterClrMapping/>
   </p:clrMapOvr>
-  <p:timing>
-    <p:tnLst>
-      <p:par>
-        <p:cTn id="1" dur="indefinite" restart="never" nodeType="tmRoot"/>
-      </p:par>
-    </p:tnLst>
-  </p:timing>
 </p:sld>
 </file>
 
@@ -7369,7 +7063,7 @@
               </a:lnSpc>
             </a:pPr>
             <a:r>
-              <a:rPr lang="en-US" dirty="0" smtClean="0">
+              <a:rPr lang="en-US" dirty="0">
                 <a:ea typeface="+mn-lt"/>
                 <a:cs typeface="+mn-lt"/>
               </a:rPr>
@@ -7383,7 +7077,7 @@
               </a:lnSpc>
             </a:pPr>
             <a:r>
-              <a:rPr lang="en-US" dirty="0" smtClean="0">
+              <a:rPr lang="en-US" dirty="0">
                 <a:ea typeface="+mn-lt"/>
                 <a:cs typeface="+mn-lt"/>
               </a:rPr>
@@ -7397,7 +7091,7 @@
               </a:lnSpc>
             </a:pPr>
             <a:r>
-              <a:rPr lang="en-US" dirty="0" smtClean="0">
+              <a:rPr lang="en-US" dirty="0">
                 <a:ea typeface="+mn-lt"/>
                 <a:cs typeface="+mn-lt"/>
               </a:rPr>
@@ -7411,7 +7105,7 @@
               </a:lnSpc>
             </a:pPr>
             <a:r>
-              <a:rPr lang="en-US" dirty="0" smtClean="0">
+              <a:rPr lang="en-US" dirty="0">
                 <a:ea typeface="+mn-lt"/>
                 <a:cs typeface="+mn-lt"/>
               </a:rPr>
@@ -7638,7 +7332,6 @@
             <a:tailEnd type="none" w="med" len="med"/>
           </a:ln>
           <a:effectLst/>
-          <a:extLst/>
         </p:spPr>
         <p:txBody>
           <a:bodyPr vert="horz" wrap="square" lIns="91440" tIns="45720" rIns="91440" bIns="45720" numCol="1" rtlCol="0" anchor="t" anchorCtr="0" compatLnSpc="1">
@@ -7664,7 +7357,7 @@
               <a:buNone/>
               <a:tabLst/>
             </a:pPr>
-            <a:endParaRPr kumimoji="0" lang="en-US" sz="1600" b="0" i="0" u="none" strike="noStrike" cap="none" normalizeH="0" baseline="0" dirty="0" smtClean="0">
+            <a:endParaRPr kumimoji="0" lang="en-US" sz="1600" b="0" i="0" u="none" strike="noStrike" cap="none" normalizeH="0" baseline="0" dirty="0">
               <a:ln>
                 <a:noFill/>
               </a:ln>
@@ -7705,7 +7398,6 @@
             <a:tailEnd type="none" w="med" len="med"/>
           </a:ln>
           <a:effectLst/>
-          <a:extLst/>
         </p:spPr>
         <p:txBody>
           <a:bodyPr vert="horz" wrap="square" lIns="91440" tIns="45720" rIns="91440" bIns="45720" numCol="1" rtlCol="0" anchor="t" anchorCtr="0" compatLnSpc="1">
@@ -7731,7 +7423,7 @@
               <a:buNone/>
               <a:tabLst/>
             </a:pPr>
-            <a:endParaRPr kumimoji="0" lang="en-US" sz="2400" b="0" i="0" u="none" strike="noStrike" cap="none" normalizeH="0" baseline="0" dirty="0" smtClean="0">
+            <a:endParaRPr kumimoji="0" lang="en-US" sz="2400" b="0" i="0" u="none" strike="noStrike" cap="none" normalizeH="0" baseline="0" dirty="0">
               <a:ln>
                 <a:noFill/>
               </a:ln>
@@ -7772,7 +7464,6 @@
             <a:tailEnd type="none" w="med" len="med"/>
           </a:ln>
           <a:effectLst/>
-          <a:extLst/>
         </p:spPr>
         <p:txBody>
           <a:bodyPr vert="horz" wrap="square" lIns="91440" tIns="45720" rIns="91440" bIns="45720" numCol="1" rtlCol="0" anchor="t" anchorCtr="0" compatLnSpc="1">
@@ -7799,7 +7490,7 @@
               <a:tabLst/>
             </a:pPr>
             <a:r>
-              <a:rPr kumimoji="0" lang="en-US" b="0" i="0" u="none" strike="noStrike" cap="none" normalizeH="0" baseline="0" dirty="0" smtClean="0">
+              <a:rPr kumimoji="0" lang="en-US" b="0" i="0" u="none" strike="noStrike" cap="none" normalizeH="0" baseline="0" dirty="0">
                 <a:ln>
                   <a:noFill/>
                 </a:ln>
@@ -7812,17 +7503,6 @@
               </a:rPr>
               <a:t>Model</a:t>
             </a:r>
-            <a:endParaRPr kumimoji="0" lang="en-US" b="0" i="0" u="none" strike="noStrike" cap="none" normalizeH="0" baseline="0" dirty="0" smtClean="0">
-              <a:ln>
-                <a:noFill/>
-              </a:ln>
-              <a:solidFill>
-                <a:schemeClr val="tx1"/>
-              </a:solidFill>
-              <a:effectLst/>
-              <a:latin typeface="Arial" charset="0"/>
-              <a:ea typeface="ＭＳ Ｐゴシック" pitchFamily="1" charset="-128"/>
-            </a:endParaRPr>
           </a:p>
         </p:txBody>
       </p:sp>
@@ -7853,7 +7533,6 @@
             <a:tailEnd type="none" w="med" len="med"/>
           </a:ln>
           <a:effectLst/>
-          <a:extLst/>
         </p:spPr>
         <p:txBody>
           <a:bodyPr vert="horz" wrap="square" lIns="91440" tIns="45720" rIns="91440" bIns="45720" numCol="1" rtlCol="0" anchor="t" anchorCtr="0" compatLnSpc="1">
@@ -7880,7 +7559,7 @@
               <a:tabLst/>
             </a:pPr>
             <a:r>
-              <a:rPr kumimoji="0" lang="en-US" b="0" i="0" u="none" strike="noStrike" cap="none" normalizeH="0" baseline="0" dirty="0" smtClean="0">
+              <a:rPr kumimoji="0" lang="en-US" b="0" i="0" u="none" strike="noStrike" cap="none" normalizeH="0" baseline="0" dirty="0">
                 <a:ln>
                   <a:noFill/>
                 </a:ln>
@@ -7893,17 +7572,6 @@
               </a:rPr>
               <a:t>Evaluate</a:t>
             </a:r>
-            <a:endParaRPr kumimoji="0" lang="en-US" b="0" i="0" u="none" strike="noStrike" cap="none" normalizeH="0" baseline="0" dirty="0" smtClean="0">
-              <a:ln>
-                <a:noFill/>
-              </a:ln>
-              <a:solidFill>
-                <a:schemeClr val="tx1"/>
-              </a:solidFill>
-              <a:effectLst/>
-              <a:latin typeface="Arial" charset="0"/>
-              <a:ea typeface="ＭＳ Ｐゴシック" pitchFamily="1" charset="-128"/>
-            </a:endParaRPr>
           </a:p>
         </p:txBody>
       </p:sp>
@@ -8135,7 +7803,6 @@
               <a:rPr lang="en-US" dirty="0"/>
               <a:t>prepare</a:t>
             </a:r>
-            <a:endParaRPr lang="en-US" dirty="0"/>
           </a:p>
         </p:txBody>
       </p:sp>
@@ -8162,10 +7829,9 @@
           <a:lstStyle/>
           <a:p>
             <a:r>
-              <a:rPr lang="en-US" dirty="0" smtClean="0"/>
+              <a:rPr lang="en-US" dirty="0"/>
               <a:t>Data</a:t>
             </a:r>
-            <a:endParaRPr lang="en-US" dirty="0"/>
           </a:p>
         </p:txBody>
       </p:sp>
@@ -8179,13 +7845,6 @@
   <p:clrMapOvr>
     <a:masterClrMapping/>
   </p:clrMapOvr>
-  <p:timing>
-    <p:tnLst>
-      <p:par>
-        <p:cTn id="1" dur="indefinite" restart="never" nodeType="tmRoot"/>
-      </p:par>
-    </p:tnLst>
-  </p:timing>
 </p:sld>
 </file>
 
@@ -8228,10 +7887,9 @@
           <a:lstStyle/>
           <a:p>
             <a:r>
-              <a:rPr lang="en-US" dirty="0" smtClean="0"/>
+              <a:rPr lang="en-US" dirty="0"/>
               <a:t>Experiments</a:t>
             </a:r>
-            <a:endParaRPr lang="en-US" dirty="0"/>
           </a:p>
         </p:txBody>
       </p:sp>
@@ -8278,13 +7936,7 @@
               <a:rPr lang="en-US" dirty="0">
                 <a:cs typeface="Arial"/>
               </a:rPr>
-              <a:t>80% 20% 10-fold random </a:t>
-            </a:r>
-            <a:r>
-              <a:rPr lang="en-US" dirty="0" smtClean="0">
-                <a:cs typeface="Arial"/>
-              </a:rPr>
-              <a:t>construction</a:t>
+              <a:t>80% 20% 10-fold random construction</a:t>
             </a:r>
           </a:p>
           <a:p>
@@ -8294,7 +7946,7 @@
               </a:lnSpc>
             </a:pPr>
             <a:r>
-              <a:rPr lang="en-US" dirty="0" smtClean="0">
+              <a:rPr lang="en-US" dirty="0">
                 <a:cs typeface="Arial"/>
               </a:rPr>
               <a:t>Different class costs:</a:t>
@@ -8307,7 +7959,7 @@
               </a:lnSpc>
             </a:pPr>
             <a:r>
-              <a:rPr lang="en-US" dirty="0" smtClean="0">
+              <a:rPr lang="en-US" dirty="0">
                 <a:cs typeface="Arial"/>
               </a:rPr>
               <a:t>Minority class always 1</a:t>
@@ -8320,22 +7972,10 @@
               </a:lnSpc>
             </a:pPr>
             <a:r>
-              <a:rPr lang="en-US" dirty="0" smtClean="0">
-                <a:cs typeface="Arial"/>
-              </a:rPr>
-              <a:t>Majority class </a:t>
-            </a:r>
-            <a:r>
               <a:rPr lang="en-US" dirty="0">
                 <a:cs typeface="Arial"/>
               </a:rPr>
-              <a:t>from 0.1 to </a:t>
-            </a:r>
-            <a:r>
-              <a:rPr lang="en-US" dirty="0" smtClean="0">
-                <a:cs typeface="Arial"/>
-              </a:rPr>
-              <a:t>0.9</a:t>
+              <a:t>Majority class from 0.1 to 0.9</a:t>
             </a:r>
           </a:p>
           <a:p>
@@ -8345,14 +7985,11 @@
               </a:lnSpc>
             </a:pPr>
             <a:r>
-              <a:rPr lang="en-US" dirty="0" smtClean="0">
+              <a:rPr lang="en-US" dirty="0">
                 <a:cs typeface="Arial"/>
               </a:rPr>
               <a:t>Weak learners: 10 Decision-Tree classifiers</a:t>
             </a:r>
-            <a:endParaRPr lang="en-US" dirty="0">
-              <a:cs typeface="Arial"/>
-            </a:endParaRPr>
           </a:p>
           <a:p>
             <a:pPr marL="342900" lvl="1" indent="-342900">
@@ -8425,13 +8062,6 @@
   <p:clrMapOvr>
     <a:masterClrMapping/>
   </p:clrMapOvr>
-  <p:timing>
-    <p:tnLst>
-      <p:par>
-        <p:cTn id="1" dur="indefinite" restart="never" nodeType="tmRoot"/>
-      </p:par>
-    </p:tnLst>
-  </p:timing>
 </p:sld>
 </file>
 
